--- a/Final Presentation.pptx
+++ b/Final Presentation.pptx
@@ -10,13 +10,17 @@
     <p:sldId id="260" r:id="rId4"/>
     <p:sldId id="261" r:id="rId5"/>
     <p:sldId id="262" r:id="rId6"/>
-    <p:sldId id="263" r:id="rId7"/>
-    <p:sldId id="264" r:id="rId8"/>
-    <p:sldId id="265" r:id="rId9"/>
-    <p:sldId id="267" r:id="rId10"/>
-    <p:sldId id="268" r:id="rId11"/>
-    <p:sldId id="269" r:id="rId12"/>
-    <p:sldId id="270" r:id="rId13"/>
+    <p:sldId id="264" r:id="rId7"/>
+    <p:sldId id="263" r:id="rId8"/>
+    <p:sldId id="277" r:id="rId9"/>
+    <p:sldId id="279" r:id="rId10"/>
+    <p:sldId id="280" r:id="rId11"/>
+    <p:sldId id="265" r:id="rId12"/>
+    <p:sldId id="267" r:id="rId13"/>
+    <p:sldId id="268" r:id="rId14"/>
+    <p:sldId id="269" r:id="rId15"/>
+    <p:sldId id="270" r:id="rId16"/>
+    <p:sldId id="281" r:id="rId17"/>
   </p:sldIdLst>
   <p:sldSz cx="12192000" cy="6858000"/>
   <p:notesSz cx="6858000" cy="9144000"/>
@@ -308,7 +312,7 @@
           <a:p>
             <a:fld id="{28A23754-DBFC-45CB-ADE8-EAD232D77BA2}" type="datetimeFigureOut">
               <a:rPr lang="en-IL" smtClean="0"/>
-              <a:t>19/09/2025</a:t>
+              <a:t>20/09/2025</a:t>
             </a:fld>
             <a:endParaRPr lang="en-IL"/>
           </a:p>
@@ -606,7 +610,7 @@
           <a:p>
             <a:fld id="{28A23754-DBFC-45CB-ADE8-EAD232D77BA2}" type="datetimeFigureOut">
               <a:rPr lang="en-IL" smtClean="0"/>
-              <a:t>19/09/2025</a:t>
+              <a:t>20/09/2025</a:t>
             </a:fld>
             <a:endParaRPr lang="en-IL"/>
           </a:p>
@@ -798,7 +802,7 @@
           <a:p>
             <a:fld id="{28A23754-DBFC-45CB-ADE8-EAD232D77BA2}" type="datetimeFigureOut">
               <a:rPr lang="en-IL" smtClean="0"/>
-              <a:t>19/09/2025</a:t>
+              <a:t>20/09/2025</a:t>
             </a:fld>
             <a:endParaRPr lang="en-IL"/>
           </a:p>
@@ -1059,7 +1063,7 @@
           <a:p>
             <a:fld id="{28A23754-DBFC-45CB-ADE8-EAD232D77BA2}" type="datetimeFigureOut">
               <a:rPr lang="en-IL" smtClean="0"/>
-              <a:t>19/09/2025</a:t>
+              <a:t>20/09/2025</a:t>
             </a:fld>
             <a:endParaRPr lang="en-IL"/>
           </a:p>
@@ -1483,7 +1487,7 @@
           <a:p>
             <a:fld id="{28A23754-DBFC-45CB-ADE8-EAD232D77BA2}" type="datetimeFigureOut">
               <a:rPr lang="en-IL" smtClean="0"/>
-              <a:t>19/09/2025</a:t>
+              <a:t>20/09/2025</a:t>
             </a:fld>
             <a:endParaRPr lang="en-IL"/>
           </a:p>
@@ -2020,7 +2024,7 @@
           <a:p>
             <a:fld id="{28A23754-DBFC-45CB-ADE8-EAD232D77BA2}" type="datetimeFigureOut">
               <a:rPr lang="en-IL" smtClean="0"/>
-              <a:t>19/09/2025</a:t>
+              <a:t>20/09/2025</a:t>
             </a:fld>
             <a:endParaRPr lang="en-IL"/>
           </a:p>
@@ -2884,7 +2888,7 @@
           <a:p>
             <a:fld id="{28A23754-DBFC-45CB-ADE8-EAD232D77BA2}" type="datetimeFigureOut">
               <a:rPr lang="en-IL" smtClean="0"/>
-              <a:t>19/09/2025</a:t>
+              <a:t>20/09/2025</a:t>
             </a:fld>
             <a:endParaRPr lang="en-IL"/>
           </a:p>
@@ -3054,7 +3058,7 @@
           <a:p>
             <a:fld id="{28A23754-DBFC-45CB-ADE8-EAD232D77BA2}" type="datetimeFigureOut">
               <a:rPr lang="en-IL" smtClean="0"/>
-              <a:t>19/09/2025</a:t>
+              <a:t>20/09/2025</a:t>
             </a:fld>
             <a:endParaRPr lang="en-IL"/>
           </a:p>
@@ -3238,7 +3242,7 @@
           <a:p>
             <a:fld id="{28A23754-DBFC-45CB-ADE8-EAD232D77BA2}" type="datetimeFigureOut">
               <a:rPr lang="en-IL" smtClean="0"/>
-              <a:t>19/09/2025</a:t>
+              <a:t>20/09/2025</a:t>
             </a:fld>
             <a:endParaRPr lang="en-IL"/>
           </a:p>
@@ -3408,7 +3412,7 @@
           <a:p>
             <a:fld id="{28A23754-DBFC-45CB-ADE8-EAD232D77BA2}" type="datetimeFigureOut">
               <a:rPr lang="en-IL" smtClean="0"/>
-              <a:t>19/09/2025</a:t>
+              <a:t>20/09/2025</a:t>
             </a:fld>
             <a:endParaRPr lang="en-IL"/>
           </a:p>
@@ -3652,7 +3656,7 @@
           <a:p>
             <a:fld id="{28A23754-DBFC-45CB-ADE8-EAD232D77BA2}" type="datetimeFigureOut">
               <a:rPr lang="en-IL" smtClean="0"/>
-              <a:t>19/09/2025</a:t>
+              <a:t>20/09/2025</a:t>
             </a:fld>
             <a:endParaRPr lang="en-IL"/>
           </a:p>
@@ -3888,7 +3892,7 @@
           <a:p>
             <a:fld id="{28A23754-DBFC-45CB-ADE8-EAD232D77BA2}" type="datetimeFigureOut">
               <a:rPr lang="en-IL" smtClean="0"/>
-              <a:t>19/09/2025</a:t>
+              <a:t>20/09/2025</a:t>
             </a:fld>
             <a:endParaRPr lang="en-IL"/>
           </a:p>
@@ -4354,7 +4358,7 @@
           <a:p>
             <a:fld id="{28A23754-DBFC-45CB-ADE8-EAD232D77BA2}" type="datetimeFigureOut">
               <a:rPr lang="en-IL" smtClean="0"/>
-              <a:t>19/09/2025</a:t>
+              <a:t>20/09/2025</a:t>
             </a:fld>
             <a:endParaRPr lang="en-IL"/>
           </a:p>
@@ -4472,7 +4476,7 @@
           <a:p>
             <a:fld id="{28A23754-DBFC-45CB-ADE8-EAD232D77BA2}" type="datetimeFigureOut">
               <a:rPr lang="en-IL" smtClean="0"/>
-              <a:t>19/09/2025</a:t>
+              <a:t>20/09/2025</a:t>
             </a:fld>
             <a:endParaRPr lang="en-IL"/>
           </a:p>
@@ -4567,7 +4571,7 @@
           <a:p>
             <a:fld id="{28A23754-DBFC-45CB-ADE8-EAD232D77BA2}" type="datetimeFigureOut">
               <a:rPr lang="en-IL" smtClean="0"/>
-              <a:t>19/09/2025</a:t>
+              <a:t>20/09/2025</a:t>
             </a:fld>
             <a:endParaRPr lang="en-IL"/>
           </a:p>
@@ -4822,7 +4826,7 @@
           <a:p>
             <a:fld id="{28A23754-DBFC-45CB-ADE8-EAD232D77BA2}" type="datetimeFigureOut">
               <a:rPr lang="en-IL" smtClean="0"/>
-              <a:t>19/09/2025</a:t>
+              <a:t>20/09/2025</a:t>
             </a:fld>
             <a:endParaRPr lang="en-IL"/>
           </a:p>
@@ -5122,7 +5126,7 @@
           <a:p>
             <a:fld id="{28A23754-DBFC-45CB-ADE8-EAD232D77BA2}" type="datetimeFigureOut">
               <a:rPr lang="en-IL" smtClean="0"/>
-              <a:t>19/09/2025</a:t>
+              <a:t>20/09/2025</a:t>
             </a:fld>
             <a:endParaRPr lang="en-IL"/>
           </a:p>
@@ -5356,7 +5360,7 @@
           <a:p>
             <a:fld id="{28A23754-DBFC-45CB-ADE8-EAD232D77BA2}" type="datetimeFigureOut">
               <a:rPr lang="en-IL" smtClean="0"/>
-              <a:t>19/09/2025</a:t>
+              <a:t>20/09/2025</a:t>
             </a:fld>
             <a:endParaRPr lang="en-IL"/>
           </a:p>
@@ -6130,7 +6134,7 @@
         <p:cNvPr id="1" name="">
           <a:extLst>
             <a:ext uri="{FF2B5EF4-FFF2-40B4-BE49-F238E27FC236}">
-              <a16:creationId xmlns:a16="http://schemas.microsoft.com/office/drawing/2014/main" id="{86652680-F336-E30D-4540-2ACBA1CA5763}"/>
+              <a16:creationId xmlns:a16="http://schemas.microsoft.com/office/drawing/2014/main" id="{AEFBF3DC-9EF8-C5AE-75A1-2BE4948066F6}"/>
             </a:ext>
           </a:extLst>
         </p:cNvPr>
@@ -6150,7 +6154,7 @@
           <p:cNvPr id="2" name="Title 1">
             <a:extLst>
               <a:ext uri="{FF2B5EF4-FFF2-40B4-BE49-F238E27FC236}">
-                <a16:creationId xmlns:a16="http://schemas.microsoft.com/office/drawing/2014/main" id="{83300A38-0DB2-E22A-9D40-58CD1D5096C7}"/>
+                <a16:creationId xmlns:a16="http://schemas.microsoft.com/office/drawing/2014/main" id="{D71339A0-9656-8B6E-F721-80EB6695EADF}"/>
               </a:ext>
             </a:extLst>
           </p:cNvPr>
@@ -6187,7 +6191,7 @@
           <p:cNvPr id="3" name="Subtitle 2">
             <a:extLst>
               <a:ext uri="{FF2B5EF4-FFF2-40B4-BE49-F238E27FC236}">
-                <a16:creationId xmlns:a16="http://schemas.microsoft.com/office/drawing/2014/main" id="{5C96F17F-045B-8B07-9DD7-E24B50DC1956}"/>
+                <a16:creationId xmlns:a16="http://schemas.microsoft.com/office/drawing/2014/main" id="{18B2A150-7483-1AC2-B0DB-8DD1A63764FA}"/>
               </a:ext>
             </a:extLst>
           </p:cNvPr>
@@ -6231,56 +6235,19 @@
             </a:pPr>
             <a:r>
               <a:rPr lang="en-US" dirty="0"/>
-              <a:t>The hardest categories are SSN, PERSONAL_ID: </a:t>
-            </a:r>
-          </a:p>
-          <a:p>
-            <a:pPr algn="l"/>
-            <a:r>
-              <a:rPr lang="en-US" dirty="0"/>
-              <a:t>1) </a:t>
+              <a:t>Both models keep recall high, but </a:t>
             </a:r>
             <a:r>
               <a:rPr lang="en-US" b="1" dirty="0"/>
-              <a:t>SSN</a:t>
-            </a:r>
-            <a:r>
-              <a:rPr lang="en-US" dirty="0"/>
-              <a:t> - No real change, still weak at 0.500.</a:t>
-            </a:r>
-          </a:p>
-          <a:p>
-            <a:pPr algn="l"/>
-            <a:r>
-              <a:rPr lang="en-US" dirty="0"/>
-              <a:t>2) </a:t>
-            </a:r>
-            <a:r>
-              <a:rPr lang="en-US" b="1" dirty="0"/>
-              <a:t>PERSONAL_ID </a:t>
-            </a:r>
-            <a:r>
-              <a:rPr lang="en-US" dirty="0"/>
-              <a:t>– Noticeable bump (0.388 </a:t>
-            </a:r>
-            <a:r>
-              <a:rPr lang="en-US" dirty="0">
-                <a:sym typeface="Wingdings" panose="05000000000000000000" pitchFamily="2" charset="2"/>
-              </a:rPr>
-              <a:t> 0.500), but still low, meaning </a:t>
-            </a:r>
-            <a:r>
-              <a:rPr lang="en-US" dirty="0" err="1">
-                <a:sym typeface="Wingdings" panose="05000000000000000000" pitchFamily="2" charset="2"/>
-              </a:rPr>
-              <a:t>LoRA</a:t>
-            </a:r>
-            <a:r>
-              <a:rPr lang="en-US" dirty="0">
-                <a:sym typeface="Wingdings" panose="05000000000000000000" pitchFamily="2" charset="2"/>
-              </a:rPr>
-              <a:t> teaches the model better decision boundaries and cutting false alarms, but it’s underperforming.</a:t>
-            </a:r>
+              <a:t>Base BLIP-2</a:t>
+            </a:r>
+            <a:r>
+              <a:rPr lang="en-US" dirty="0"/>
+              <a:t> has much better balance and higher precision, with far fewer false positives.</a:t>
+            </a:r>
+            <a:endParaRPr lang="en-US" dirty="0">
+              <a:sym typeface="Wingdings" panose="05000000000000000000" pitchFamily="2" charset="2"/>
+            </a:endParaRPr>
           </a:p>
           <a:p>
             <a:pPr marL="342900" indent="-342900" algn="l">
@@ -6288,10 +6255,28 @@
               <a:buChar char="•"/>
             </a:pPr>
             <a:r>
-              <a:rPr lang="en-US" dirty="0">
-                <a:sym typeface="Wingdings" panose="05000000000000000000" pitchFamily="2" charset="2"/>
-              </a:rPr>
-              <a:t>Numeric/structured PII (credit cards, PINs, bank accounts) was already strong and stays perfect or near perfect.</a:t>
+              <a:rPr lang="en-US" dirty="0" err="1"/>
+              <a:t>LoRA</a:t>
+            </a:r>
+            <a:r>
+              <a:rPr lang="en-US" dirty="0"/>
+              <a:t> improves </a:t>
+            </a:r>
+            <a:r>
+              <a:rPr lang="en-US" b="1" dirty="0"/>
+              <a:t>Credit Card</a:t>
+            </a:r>
+            <a:r>
+              <a:rPr lang="en-US" dirty="0"/>
+              <a:t> and </a:t>
+            </a:r>
+            <a:r>
+              <a:rPr lang="en-US" b="1" dirty="0"/>
+              <a:t>Name</a:t>
+            </a:r>
+            <a:r>
+              <a:rPr lang="en-US" dirty="0"/>
+              <a:t> recall, but at the cost of flooding with false positives.</a:t>
             </a:r>
           </a:p>
           <a:p>
@@ -6299,31 +6284,76 @@
               <a:buFont typeface="Arial" panose="020B0604020202020204" pitchFamily="34" charset="0"/>
               <a:buChar char="•"/>
             </a:pPr>
-            <a:r>
-              <a:rPr lang="en-US" dirty="0">
-                <a:sym typeface="Wingdings" panose="05000000000000000000" pitchFamily="2" charset="2"/>
-              </a:rPr>
-              <a:t>Recall = 1 in both models, </a:t>
-            </a:r>
-            <a:r>
-              <a:rPr lang="en-US" b="1" dirty="0">
-                <a:sym typeface="Wingdings" panose="05000000000000000000" pitchFamily="2" charset="2"/>
-              </a:rPr>
-              <a:t>but</a:t>
-            </a:r>
-            <a:r>
-              <a:rPr lang="en-US" dirty="0">
-                <a:sym typeface="Wingdings" panose="05000000000000000000" pitchFamily="2" charset="2"/>
-              </a:rPr>
-              <a:t> precision increases after fine-tuning  safer, more actionable alerts from the model regarding Sensitive data.</a:t>
-            </a:r>
+            <a:endParaRPr lang="en-US" dirty="0"/>
+          </a:p>
+          <a:p>
+            <a:pPr algn="l"/>
+            <a:r>
+              <a:rPr lang="en-US" b="1" u="sng" dirty="0"/>
+              <a:t>Conclusion:</a:t>
+            </a:r>
+          </a:p>
+          <a:p>
+            <a:pPr marL="342900" indent="-342900" algn="l">
+              <a:buFont typeface="Arial" panose="020B0604020202020204" pitchFamily="34" charset="0"/>
+              <a:buChar char="•"/>
+            </a:pPr>
+            <a:r>
+              <a:rPr lang="en-US" dirty="0"/>
+              <a:t>Base BLIP-2 better for general detection.</a:t>
+            </a:r>
+          </a:p>
+          <a:p>
+            <a:pPr marL="342900" indent="-342900" algn="l">
+              <a:buFont typeface="Arial" panose="020B0604020202020204" pitchFamily="34" charset="0"/>
+              <a:buChar char="•"/>
+            </a:pPr>
+            <a:r>
+              <a:rPr lang="en-US" dirty="0" err="1"/>
+              <a:t>LoRA</a:t>
+            </a:r>
+            <a:r>
+              <a:rPr lang="en-US" dirty="0"/>
+              <a:t> useful when credit card detection is the priority.</a:t>
+            </a:r>
+          </a:p>
+          <a:p>
+            <a:pPr marL="342900" indent="-342900" algn="l">
+              <a:buFont typeface="Arial" panose="020B0604020202020204" pitchFamily="34" charset="0"/>
+              <a:buChar char="•"/>
+            </a:pPr>
+            <a:r>
+              <a:rPr lang="en-US" dirty="0"/>
+              <a:t>The BLIP-2 model proved unsuitable for reliable sensitive data detection, which led us to explore stronger alternatives.</a:t>
+            </a:r>
+          </a:p>
+          <a:p>
+            <a:pPr marL="342900" indent="-342900" algn="l">
+              <a:buFont typeface="Arial" panose="020B0604020202020204" pitchFamily="34" charset="0"/>
+              <a:buChar char="•"/>
+            </a:pPr>
+            <a:r>
+              <a:rPr lang="en-US" dirty="0"/>
+              <a:t>Therefore, we transitioned to Qwen 2.5-VL-7B-Instruct model.</a:t>
+            </a:r>
+          </a:p>
+          <a:p>
+            <a:pPr marL="342900" indent="-342900" algn="l">
+              <a:buFont typeface="Arial" panose="020B0604020202020204" pitchFamily="34" charset="0"/>
+              <a:buChar char="•"/>
+            </a:pPr>
+            <a:endParaRPr lang="en-US" dirty="0"/>
+          </a:p>
+          <a:p>
+            <a:pPr algn="l"/>
+            <a:endParaRPr lang="en-US" dirty="0"/>
           </a:p>
         </p:txBody>
       </p:sp>
     </p:spTree>
     <p:extLst>
       <p:ext uri="{BB962C8B-B14F-4D97-AF65-F5344CB8AC3E}">
-        <p14:creationId xmlns:p14="http://schemas.microsoft.com/office/powerpoint/2010/main" val="2230535177"/>
+        <p14:creationId xmlns:p14="http://schemas.microsoft.com/office/powerpoint/2010/main" val="157437428"/>
       </p:ext>
     </p:extLst>
   </p:cSld>
@@ -6334,6 +6364,627 @@
 </file>
 
 <file path=ppt/slides/slide11.xml><?xml version="1.0" encoding="utf-8"?>
+<p:sld xmlns:a="http://schemas.openxmlformats.org/drawingml/2006/main" xmlns:r="http://schemas.openxmlformats.org/officeDocument/2006/relationships" xmlns:p="http://schemas.openxmlformats.org/presentationml/2006/main">
+  <p:cSld>
+    <p:spTree>
+      <p:nvGrpSpPr>
+        <p:cNvPr id="1" name="">
+          <a:extLst>
+            <a:ext uri="{FF2B5EF4-FFF2-40B4-BE49-F238E27FC236}">
+              <a16:creationId xmlns:a16="http://schemas.microsoft.com/office/drawing/2014/main" id="{F51E8AB4-0988-88BB-C749-9A3AABBB0CEF}"/>
+            </a:ext>
+          </a:extLst>
+        </p:cNvPr>
+        <p:cNvGrpSpPr/>
+        <p:nvPr/>
+      </p:nvGrpSpPr>
+      <p:grpSpPr>
+        <a:xfrm>
+          <a:off x="0" y="0"/>
+          <a:ext cx="0" cy="0"/>
+          <a:chOff x="0" y="0"/>
+          <a:chExt cx="0" cy="0"/>
+        </a:xfrm>
+      </p:grpSpPr>
+      <p:sp>
+        <p:nvSpPr>
+          <p:cNvPr id="6" name="Rectangle 5">
+            <a:extLst>
+              <a:ext uri="{FF2B5EF4-FFF2-40B4-BE49-F238E27FC236}">
+                <a16:creationId xmlns:a16="http://schemas.microsoft.com/office/drawing/2014/main" id="{E0A4C8AC-3EA1-47E2-9557-8C453CBA25BF}"/>
+              </a:ext>
+            </a:extLst>
+          </p:cNvPr>
+          <p:cNvSpPr/>
+          <p:nvPr/>
+        </p:nvSpPr>
+        <p:spPr>
+          <a:xfrm>
+            <a:off x="6221505" y="3361765"/>
+            <a:ext cx="5728448" cy="3325906"/>
+          </a:xfrm>
+          <a:prstGeom prst="rect">
+            <a:avLst/>
+          </a:prstGeom>
+          <a:solidFill>
+            <a:schemeClr val="bg1"/>
+          </a:solidFill>
+        </p:spPr>
+        <p:style>
+          <a:lnRef idx="2">
+            <a:schemeClr val="accent1">
+              <a:shade val="50000"/>
+            </a:schemeClr>
+          </a:lnRef>
+          <a:fillRef idx="1">
+            <a:schemeClr val="accent1"/>
+          </a:fillRef>
+          <a:effectRef idx="0">
+            <a:schemeClr val="accent1"/>
+          </a:effectRef>
+          <a:fontRef idx="minor">
+            <a:schemeClr val="lt1"/>
+          </a:fontRef>
+        </p:style>
+        <p:txBody>
+          <a:bodyPr rtlCol="0" anchor="ctr"/>
+          <a:lstStyle/>
+          <a:p>
+            <a:pPr algn="ctr"/>
+            <a:endParaRPr lang="en-IL"/>
+          </a:p>
+        </p:txBody>
+      </p:sp>
+      <p:sp>
+        <p:nvSpPr>
+          <p:cNvPr id="2" name="Title 1">
+            <a:extLst>
+              <a:ext uri="{FF2B5EF4-FFF2-40B4-BE49-F238E27FC236}">
+                <a16:creationId xmlns:a16="http://schemas.microsoft.com/office/drawing/2014/main" id="{43173213-3E24-B952-52BA-4E423EE53E0C}"/>
+              </a:ext>
+            </a:extLst>
+          </p:cNvPr>
+          <p:cNvSpPr>
+            <a:spLocks noGrp="1"/>
+          </p:cNvSpPr>
+          <p:nvPr>
+            <p:ph type="ctrTitle"/>
+          </p:nvPr>
+        </p:nvSpPr>
+        <p:spPr>
+          <a:xfrm>
+            <a:off x="354167" y="288130"/>
+            <a:ext cx="6269879" cy="693120"/>
+          </a:xfrm>
+        </p:spPr>
+        <p:txBody>
+          <a:bodyPr>
+            <a:normAutofit/>
+          </a:bodyPr>
+          <a:lstStyle/>
+          <a:p>
+            <a:pPr algn="l"/>
+            <a:r>
+              <a:rPr lang="en-US" sz="3200" dirty="0"/>
+              <a:t>Intermediate Results</a:t>
+            </a:r>
+            <a:endParaRPr lang="en-IL" sz="8800" dirty="0"/>
+          </a:p>
+        </p:txBody>
+      </p:sp>
+      <p:sp>
+        <p:nvSpPr>
+          <p:cNvPr id="3" name="Subtitle 2">
+            <a:extLst>
+              <a:ext uri="{FF2B5EF4-FFF2-40B4-BE49-F238E27FC236}">
+                <a16:creationId xmlns:a16="http://schemas.microsoft.com/office/drawing/2014/main" id="{D532DD51-17C7-B1F0-BB8A-EF7F336C8E79}"/>
+              </a:ext>
+            </a:extLst>
+          </p:cNvPr>
+          <p:cNvSpPr>
+            <a:spLocks noGrp="1"/>
+          </p:cNvSpPr>
+          <p:nvPr>
+            <p:ph type="subTitle" idx="1"/>
+          </p:nvPr>
+        </p:nvSpPr>
+        <p:spPr>
+          <a:xfrm>
+            <a:off x="138140" y="1233520"/>
+            <a:ext cx="11218275" cy="5369798"/>
+          </a:xfrm>
+        </p:spPr>
+        <p:txBody>
+          <a:bodyPr>
+            <a:normAutofit fontScale="92500" lnSpcReduction="20000"/>
+          </a:bodyPr>
+          <a:lstStyle/>
+          <a:p>
+            <a:pPr algn="l"/>
+            <a:r>
+              <a:rPr lang="en-US" b="1" u="sng" dirty="0"/>
+              <a:t>Base model “Qwen2.5-VL-7B-Instruct” results:</a:t>
+            </a:r>
+          </a:p>
+          <a:p>
+            <a:pPr marL="342900" indent="-342900" algn="l">
+              <a:buFont typeface="Arial" panose="020B0604020202020204" pitchFamily="34" charset="0"/>
+              <a:buChar char="•"/>
+            </a:pPr>
+            <a:r>
+              <a:rPr lang="en-US" dirty="0"/>
+              <a:t>Macro-F1 (per-class) with 0-support classes: 0.5481</a:t>
+            </a:r>
+          </a:p>
+          <a:p>
+            <a:pPr marL="342900" indent="-342900" algn="l">
+              <a:buFont typeface="Arial" panose="020B0604020202020204" pitchFamily="34" charset="0"/>
+              <a:buChar char="•"/>
+            </a:pPr>
+            <a:r>
+              <a:rPr lang="en-US" dirty="0"/>
+              <a:t>Macro-F1 (per-class) without 0-support classes: 0.7306</a:t>
+            </a:r>
+          </a:p>
+          <a:p>
+            <a:pPr marL="342900" indent="-342900" algn="l">
+              <a:buFont typeface="Arial" panose="020B0604020202020204" pitchFamily="34" charset="0"/>
+              <a:buChar char="•"/>
+            </a:pPr>
+            <a:endParaRPr lang="en-US" dirty="0"/>
+          </a:p>
+          <a:p>
+            <a:pPr algn="l"/>
+            <a:r>
+              <a:rPr lang="en-US" b="1" dirty="0"/>
+              <a:t>Classification (sensitive/non-sensitive): </a:t>
+            </a:r>
+          </a:p>
+          <a:p>
+            <a:pPr marL="342900" indent="-342900" algn="l">
+              <a:buFont typeface="Arial" panose="020B0604020202020204" pitchFamily="34" charset="0"/>
+              <a:buChar char="•"/>
+            </a:pPr>
+            <a:r>
+              <a:rPr lang="en-US" dirty="0"/>
+              <a:t>F1 = 0.676</a:t>
+            </a:r>
+          </a:p>
+          <a:p>
+            <a:pPr marL="342900" indent="-342900" algn="l">
+              <a:buFont typeface="Arial" panose="020B0604020202020204" pitchFamily="34" charset="0"/>
+              <a:buChar char="•"/>
+            </a:pPr>
+            <a:r>
+              <a:rPr lang="en-US" dirty="0"/>
+              <a:t>Precision = 0.511</a:t>
+            </a:r>
+          </a:p>
+          <a:p>
+            <a:pPr marL="342900" indent="-342900" algn="l">
+              <a:buFont typeface="Arial" panose="020B0604020202020204" pitchFamily="34" charset="0"/>
+              <a:buChar char="•"/>
+            </a:pPr>
+            <a:r>
+              <a:rPr lang="en-US" dirty="0"/>
+              <a:t>Recall = 1</a:t>
+            </a:r>
+          </a:p>
+          <a:p>
+            <a:pPr marL="342900" indent="-342900" algn="l">
+              <a:buFont typeface="Arial" panose="020B0604020202020204" pitchFamily="34" charset="0"/>
+              <a:buChar char="•"/>
+            </a:pPr>
+            <a:r>
+              <a:rPr lang="en-US" dirty="0"/>
+              <a:t>Accuracy = 0.521 (52%)</a:t>
+            </a:r>
+          </a:p>
+          <a:p>
+            <a:pPr marL="342900" indent="-342900" algn="l">
+              <a:buFont typeface="Arial" panose="020B0604020202020204" pitchFamily="34" charset="0"/>
+              <a:buChar char="•"/>
+            </a:pPr>
+            <a:endParaRPr lang="en-US" dirty="0"/>
+          </a:p>
+          <a:p>
+            <a:pPr algn="l"/>
+            <a:r>
+              <a:rPr lang="en-US" dirty="0"/>
+              <a:t>* No support in this evaluation for:</a:t>
+            </a:r>
+          </a:p>
+          <a:p>
+            <a:pPr algn="l"/>
+            <a:r>
+              <a:rPr lang="en-US" dirty="0"/>
+              <a:t>MEDICAL_LETTER, EMAIL, OTHER_PII </a:t>
+            </a:r>
+          </a:p>
+          <a:p>
+            <a:pPr algn="l"/>
+            <a:r>
+              <a:rPr lang="en-US" dirty="0"/>
+              <a:t>(As a result, the scores for these types are 0, which</a:t>
+            </a:r>
+          </a:p>
+          <a:p>
+            <a:pPr algn="l"/>
+            <a:r>
+              <a:rPr lang="en-US" dirty="0"/>
+              <a:t>Lowers the Macro-F1).</a:t>
+            </a:r>
+          </a:p>
+        </p:txBody>
+      </p:sp>
+      <p:pic>
+        <p:nvPicPr>
+          <p:cNvPr id="5" name="Picture 4">
+            <a:extLst>
+              <a:ext uri="{FF2B5EF4-FFF2-40B4-BE49-F238E27FC236}">
+                <a16:creationId xmlns:a16="http://schemas.microsoft.com/office/drawing/2014/main" id="{CB326B14-CD79-49AB-9921-3D8880EEBFD5}"/>
+              </a:ext>
+            </a:extLst>
+          </p:cNvPr>
+          <p:cNvPicPr>
+            <a:picLocks noChangeAspect="1"/>
+          </p:cNvPicPr>
+          <p:nvPr/>
+        </p:nvPicPr>
+        <p:blipFill>
+          <a:blip r:embed="rId2">
+            <a:extLst>
+              <a:ext uri="{28A0092B-C50C-407E-A947-70E740481C1C}">
+                <a14:useLocalDpi xmlns:a14="http://schemas.microsoft.com/office/drawing/2010/main" val="0"/>
+              </a:ext>
+            </a:extLst>
+          </a:blip>
+          <a:stretch>
+            <a:fillRect/>
+          </a:stretch>
+        </p:blipFill>
+        <p:spPr>
+          <a:xfrm>
+            <a:off x="6270346" y="3406585"/>
+            <a:ext cx="5595260" cy="2904567"/>
+          </a:xfrm>
+          <a:prstGeom prst="rect">
+            <a:avLst/>
+          </a:prstGeom>
+        </p:spPr>
+      </p:pic>
+    </p:spTree>
+    <p:extLst>
+      <p:ext uri="{BB962C8B-B14F-4D97-AF65-F5344CB8AC3E}">
+        <p14:creationId xmlns:p14="http://schemas.microsoft.com/office/powerpoint/2010/main" val="1336250767"/>
+      </p:ext>
+    </p:extLst>
+  </p:cSld>
+  <p:clrMapOvr>
+    <a:masterClrMapping/>
+  </p:clrMapOvr>
+</p:sld>
+</file>
+
+<file path=ppt/slides/slide12.xml><?xml version="1.0" encoding="utf-8"?>
+<p:sld xmlns:a="http://schemas.openxmlformats.org/drawingml/2006/main" xmlns:r="http://schemas.openxmlformats.org/officeDocument/2006/relationships" xmlns:p="http://schemas.openxmlformats.org/presentationml/2006/main">
+  <p:cSld>
+    <p:spTree>
+      <p:nvGrpSpPr>
+        <p:cNvPr id="1" name="">
+          <a:extLst>
+            <a:ext uri="{FF2B5EF4-FFF2-40B4-BE49-F238E27FC236}">
+              <a16:creationId xmlns:a16="http://schemas.microsoft.com/office/drawing/2014/main" id="{F51E8AB4-0988-88BB-C749-9A3AABBB0CEF}"/>
+            </a:ext>
+          </a:extLst>
+        </p:cNvPr>
+        <p:cNvGrpSpPr/>
+        <p:nvPr/>
+      </p:nvGrpSpPr>
+      <p:grpSpPr>
+        <a:xfrm>
+          <a:off x="0" y="0"/>
+          <a:ext cx="0" cy="0"/>
+          <a:chOff x="0" y="0"/>
+          <a:chExt cx="0" cy="0"/>
+        </a:xfrm>
+      </p:grpSpPr>
+      <p:sp>
+        <p:nvSpPr>
+          <p:cNvPr id="8" name="Rectangle 7">
+            <a:extLst>
+              <a:ext uri="{FF2B5EF4-FFF2-40B4-BE49-F238E27FC236}">
+                <a16:creationId xmlns:a16="http://schemas.microsoft.com/office/drawing/2014/main" id="{3C5B1FE4-D5FF-40DE-AEE7-1F701B9D24B5}"/>
+              </a:ext>
+            </a:extLst>
+          </p:cNvPr>
+          <p:cNvSpPr/>
+          <p:nvPr/>
+        </p:nvSpPr>
+        <p:spPr>
+          <a:xfrm>
+            <a:off x="6221505" y="3361765"/>
+            <a:ext cx="5638799" cy="3325906"/>
+          </a:xfrm>
+          <a:prstGeom prst="rect">
+            <a:avLst/>
+          </a:prstGeom>
+          <a:solidFill>
+            <a:schemeClr val="bg1"/>
+          </a:solidFill>
+        </p:spPr>
+        <p:style>
+          <a:lnRef idx="2">
+            <a:schemeClr val="accent1">
+              <a:shade val="50000"/>
+            </a:schemeClr>
+          </a:lnRef>
+          <a:fillRef idx="1">
+            <a:schemeClr val="accent1"/>
+          </a:fillRef>
+          <a:effectRef idx="0">
+            <a:schemeClr val="accent1"/>
+          </a:effectRef>
+          <a:fontRef idx="minor">
+            <a:schemeClr val="lt1"/>
+          </a:fontRef>
+        </p:style>
+        <p:txBody>
+          <a:bodyPr rtlCol="0" anchor="ctr"/>
+          <a:lstStyle/>
+          <a:p>
+            <a:pPr algn="ctr"/>
+            <a:endParaRPr lang="en-IL"/>
+          </a:p>
+        </p:txBody>
+      </p:sp>
+      <p:sp>
+        <p:nvSpPr>
+          <p:cNvPr id="2" name="Title 1">
+            <a:extLst>
+              <a:ext uri="{FF2B5EF4-FFF2-40B4-BE49-F238E27FC236}">
+                <a16:creationId xmlns:a16="http://schemas.microsoft.com/office/drawing/2014/main" id="{43173213-3E24-B952-52BA-4E423EE53E0C}"/>
+              </a:ext>
+            </a:extLst>
+          </p:cNvPr>
+          <p:cNvSpPr>
+            <a:spLocks noGrp="1"/>
+          </p:cNvSpPr>
+          <p:nvPr>
+            <p:ph type="ctrTitle"/>
+          </p:nvPr>
+        </p:nvSpPr>
+        <p:spPr>
+          <a:xfrm>
+            <a:off x="354167" y="288130"/>
+            <a:ext cx="6269879" cy="693120"/>
+          </a:xfrm>
+        </p:spPr>
+        <p:txBody>
+          <a:bodyPr>
+            <a:normAutofit/>
+          </a:bodyPr>
+          <a:lstStyle/>
+          <a:p>
+            <a:pPr algn="l"/>
+            <a:r>
+              <a:rPr lang="en-US" sz="3200" dirty="0"/>
+              <a:t>Intermediate Results</a:t>
+            </a:r>
+            <a:endParaRPr lang="en-IL" sz="8800" dirty="0"/>
+          </a:p>
+        </p:txBody>
+      </p:sp>
+      <p:sp>
+        <p:nvSpPr>
+          <p:cNvPr id="3" name="Subtitle 2">
+            <a:extLst>
+              <a:ext uri="{FF2B5EF4-FFF2-40B4-BE49-F238E27FC236}">
+                <a16:creationId xmlns:a16="http://schemas.microsoft.com/office/drawing/2014/main" id="{D532DD51-17C7-B1F0-BB8A-EF7F336C8E79}"/>
+              </a:ext>
+            </a:extLst>
+          </p:cNvPr>
+          <p:cNvSpPr>
+            <a:spLocks noGrp="1"/>
+          </p:cNvSpPr>
+          <p:nvPr>
+            <p:ph type="subTitle" idx="1"/>
+          </p:nvPr>
+        </p:nvSpPr>
+        <p:spPr>
+          <a:xfrm>
+            <a:off x="138140" y="1233520"/>
+            <a:ext cx="11218275" cy="5369798"/>
+          </a:xfrm>
+        </p:spPr>
+        <p:txBody>
+          <a:bodyPr>
+            <a:normAutofit fontScale="92500" lnSpcReduction="20000"/>
+          </a:bodyPr>
+          <a:lstStyle/>
+          <a:p>
+            <a:pPr algn="l"/>
+            <a:r>
+              <a:rPr lang="en-US" b="1" u="sng" dirty="0"/>
+              <a:t>Qwen2.5-VL-7B-Instruct + </a:t>
+            </a:r>
+            <a:r>
+              <a:rPr lang="en-US" b="1" u="sng" dirty="0" err="1"/>
+              <a:t>LoRA</a:t>
+            </a:r>
+            <a:r>
+              <a:rPr lang="en-US" b="1" u="sng" dirty="0"/>
+              <a:t> results:</a:t>
+            </a:r>
+          </a:p>
+          <a:p>
+            <a:pPr marL="342900" indent="-342900" algn="l">
+              <a:buFont typeface="Arial" panose="020B0604020202020204" pitchFamily="34" charset="0"/>
+              <a:buChar char="•"/>
+            </a:pPr>
+            <a:r>
+              <a:rPr lang="en-US" dirty="0"/>
+              <a:t>Macro-F1 (per-class) with 0-support classes: 0.6763</a:t>
+            </a:r>
+          </a:p>
+          <a:p>
+            <a:pPr marL="342900" indent="-342900" algn="l">
+              <a:buFont typeface="Arial" panose="020B0604020202020204" pitchFamily="34" charset="0"/>
+              <a:buChar char="•"/>
+            </a:pPr>
+            <a:r>
+              <a:rPr lang="en-US" dirty="0"/>
+              <a:t>Macro-F1 (per-class) without 0-support classes: 0.8266</a:t>
+            </a:r>
+          </a:p>
+          <a:p>
+            <a:pPr marL="342900" indent="-342900" algn="l">
+              <a:buFont typeface="Arial" panose="020B0604020202020204" pitchFamily="34" charset="0"/>
+              <a:buChar char="•"/>
+            </a:pPr>
+            <a:endParaRPr lang="en-US" dirty="0"/>
+          </a:p>
+          <a:p>
+            <a:pPr algn="l"/>
+            <a:r>
+              <a:rPr lang="en-US" b="1" dirty="0"/>
+              <a:t>Classification (sensitive/non-sensitive): </a:t>
+            </a:r>
+          </a:p>
+          <a:p>
+            <a:pPr marL="342900" indent="-342900" algn="l">
+              <a:buFont typeface="Arial" panose="020B0604020202020204" pitchFamily="34" charset="0"/>
+              <a:buChar char="•"/>
+            </a:pPr>
+            <a:r>
+              <a:rPr lang="en-US" dirty="0"/>
+              <a:t>F1 = 0.774</a:t>
+            </a:r>
+          </a:p>
+          <a:p>
+            <a:pPr marL="342900" indent="-342900" algn="l">
+              <a:buFont typeface="Arial" panose="020B0604020202020204" pitchFamily="34" charset="0"/>
+              <a:buChar char="•"/>
+            </a:pPr>
+            <a:r>
+              <a:rPr lang="en-US" dirty="0"/>
+              <a:t>Precision = 0.631</a:t>
+            </a:r>
+          </a:p>
+          <a:p>
+            <a:pPr marL="342900" indent="-342900" algn="l">
+              <a:buFont typeface="Arial" panose="020B0604020202020204" pitchFamily="34" charset="0"/>
+              <a:buChar char="•"/>
+            </a:pPr>
+            <a:r>
+              <a:rPr lang="en-US" dirty="0"/>
+              <a:t>Recall = 1</a:t>
+            </a:r>
+          </a:p>
+          <a:p>
+            <a:pPr marL="342900" indent="-342900" algn="l">
+              <a:buFont typeface="Arial" panose="020B0604020202020204" pitchFamily="34" charset="0"/>
+              <a:buChar char="•"/>
+            </a:pPr>
+            <a:r>
+              <a:rPr lang="en-US" dirty="0"/>
+              <a:t>Accuracy = 0.707 (70%)</a:t>
+            </a:r>
+          </a:p>
+          <a:p>
+            <a:pPr marL="342900" indent="-342900" algn="l">
+              <a:buFont typeface="Arial" panose="020B0604020202020204" pitchFamily="34" charset="0"/>
+              <a:buChar char="•"/>
+            </a:pPr>
+            <a:endParaRPr lang="en-US" dirty="0"/>
+          </a:p>
+          <a:p>
+            <a:pPr algn="l"/>
+            <a:r>
+              <a:rPr lang="en-US" dirty="0"/>
+              <a:t>* No support in this evaluation for:</a:t>
+            </a:r>
+          </a:p>
+          <a:p>
+            <a:pPr algn="l"/>
+            <a:r>
+              <a:rPr lang="en-US" dirty="0"/>
+              <a:t>MEDICAL_LETTER, EMAIL </a:t>
+            </a:r>
+          </a:p>
+          <a:p>
+            <a:pPr algn="l"/>
+            <a:r>
+              <a:rPr lang="en-US" dirty="0"/>
+              <a:t>(As a result, the scores for these types are 0, which</a:t>
+            </a:r>
+          </a:p>
+          <a:p>
+            <a:pPr algn="l"/>
+            <a:r>
+              <a:rPr lang="en-US" dirty="0"/>
+              <a:t>Lowers the Macro-F1).</a:t>
+            </a:r>
+          </a:p>
+          <a:p>
+            <a:pPr marL="342900" indent="-342900" algn="l">
+              <a:buFont typeface="Arial" panose="020B0604020202020204" pitchFamily="34" charset="0"/>
+              <a:buChar char="•"/>
+            </a:pPr>
+            <a:endParaRPr lang="en-IL" dirty="0"/>
+          </a:p>
+        </p:txBody>
+      </p:sp>
+      <p:pic>
+        <p:nvPicPr>
+          <p:cNvPr id="7" name="Picture 6">
+            <a:extLst>
+              <a:ext uri="{FF2B5EF4-FFF2-40B4-BE49-F238E27FC236}">
+                <a16:creationId xmlns:a16="http://schemas.microsoft.com/office/drawing/2014/main" id="{F428CDB8-999C-4C90-BCF5-352F342ABE4F}"/>
+              </a:ext>
+            </a:extLst>
+          </p:cNvPr>
+          <p:cNvPicPr>
+            <a:picLocks noChangeAspect="1"/>
+          </p:cNvPicPr>
+          <p:nvPr/>
+        </p:nvPicPr>
+        <p:blipFill>
+          <a:blip r:embed="rId2">
+            <a:extLst>
+              <a:ext uri="{28A0092B-C50C-407E-A947-70E740481C1C}">
+                <a14:useLocalDpi xmlns:a14="http://schemas.microsoft.com/office/drawing/2010/main" val="0"/>
+              </a:ext>
+            </a:extLst>
+          </a:blip>
+          <a:stretch>
+            <a:fillRect/>
+          </a:stretch>
+        </p:blipFill>
+        <p:spPr>
+          <a:xfrm>
+            <a:off x="6274419" y="3452670"/>
+            <a:ext cx="5545196" cy="2831589"/>
+          </a:xfrm>
+          <a:prstGeom prst="rect">
+            <a:avLst/>
+          </a:prstGeom>
+        </p:spPr>
+      </p:pic>
+    </p:spTree>
+    <p:extLst>
+      <p:ext uri="{BB962C8B-B14F-4D97-AF65-F5344CB8AC3E}">
+        <p14:creationId xmlns:p14="http://schemas.microsoft.com/office/powerpoint/2010/main" val="311171845"/>
+      </p:ext>
+    </p:extLst>
+  </p:cSld>
+  <p:clrMapOvr>
+    <a:masterClrMapping/>
+  </p:clrMapOvr>
+</p:sld>
+</file>
+
+<file path=ppt/slides/slide13.xml><?xml version="1.0" encoding="utf-8"?>
 <p:sld xmlns:a="http://schemas.openxmlformats.org/drawingml/2006/main" xmlns:r="http://schemas.openxmlformats.org/officeDocument/2006/relationships" xmlns:p="http://schemas.openxmlformats.org/presentationml/2006/main">
   <p:cSld>
     <p:spTree>
@@ -6441,89 +7092,100 @@
               <a:buChar char="•"/>
             </a:pPr>
             <a:r>
+              <a:rPr lang="en-US" dirty="0"/>
+              <a:t>The hardest categories are SSN, PERSONAL_ID: </a:t>
+            </a:r>
+          </a:p>
+          <a:p>
+            <a:pPr algn="l"/>
+            <a:r>
+              <a:rPr lang="en-US" dirty="0"/>
+              <a:t>1) </a:t>
+            </a:r>
+            <a:r>
+              <a:rPr lang="en-US" b="1" dirty="0"/>
+              <a:t>SSN</a:t>
+            </a:r>
+            <a:r>
+              <a:rPr lang="en-US" dirty="0"/>
+              <a:t> - No real change, still weak at 0.500.</a:t>
+            </a:r>
+          </a:p>
+          <a:p>
+            <a:pPr algn="l"/>
+            <a:r>
+              <a:rPr lang="en-US" dirty="0"/>
+              <a:t>2) </a:t>
+            </a:r>
+            <a:r>
+              <a:rPr lang="en-US" b="1" dirty="0"/>
+              <a:t>PERSONAL_ID </a:t>
+            </a:r>
+            <a:r>
+              <a:rPr lang="en-US" dirty="0"/>
+              <a:t>– Noticeable bump (0.388 </a:t>
+            </a:r>
+            <a:r>
               <a:rPr lang="en-US" dirty="0">
                 <a:sym typeface="Wingdings" panose="05000000000000000000" pitchFamily="2" charset="2"/>
               </a:rPr>
-              <a:t>Accuracy: </a:t>
-            </a:r>
-          </a:p>
-          <a:p>
-            <a:pPr algn="l"/>
+              <a:t> 0.500), but still low, meaning </a:t>
+            </a:r>
+            <a:r>
+              <a:rPr lang="en-US" dirty="0" err="1">
+                <a:sym typeface="Wingdings" panose="05000000000000000000" pitchFamily="2" charset="2"/>
+              </a:rPr>
+              <a:t>LoRA</a:t>
+            </a:r>
             <a:r>
               <a:rPr lang="en-US" dirty="0">
                 <a:sym typeface="Wingdings" panose="05000000000000000000" pitchFamily="2" charset="2"/>
               </a:rPr>
-              <a:t>* Since Recall = 1, </a:t>
-            </a:r>
-            <a:r>
-              <a:rPr lang="en-US" dirty="0"/>
-              <a:t>Qwen2.5-VL-7B-Instruct (base model) catch all sensitive images.  Therefore the base model wrongly flags ~958/1000 non-sensitive images (Precision 0.511).</a:t>
-            </a:r>
-          </a:p>
-          <a:p>
-            <a:pPr algn="l"/>
+              <a:t> teaches the model better decision boundaries and cutting false alarms, but it’s underperforming.</a:t>
+            </a:r>
+          </a:p>
+          <a:p>
+            <a:pPr marL="342900" indent="-342900" algn="l">
+              <a:buFont typeface="Arial" panose="020B0604020202020204" pitchFamily="34" charset="0"/>
+              <a:buChar char="•"/>
+            </a:pPr>
             <a:r>
               <a:rPr lang="en-US" dirty="0">
                 <a:sym typeface="Wingdings" panose="05000000000000000000" pitchFamily="2" charset="2"/>
               </a:rPr>
-              <a:t>Only ~42 non-sensitive images are correctly identified  Acc = 0.521</a:t>
-            </a:r>
-          </a:p>
-          <a:p>
-            <a:pPr algn="l"/>
+              <a:t>Numeric/structured PII (credit cards, PINs, bank accounts) was already strong and stays perfect or near perfect.</a:t>
+            </a:r>
+          </a:p>
+          <a:p>
+            <a:pPr marL="342900" indent="-342900" algn="l">
+              <a:buFont typeface="Arial" panose="020B0604020202020204" pitchFamily="34" charset="0"/>
+              <a:buChar char="•"/>
+            </a:pPr>
             <a:r>
               <a:rPr lang="en-US" dirty="0">
                 <a:sym typeface="Wingdings" panose="05000000000000000000" pitchFamily="2" charset="2"/>
               </a:rPr>
-              <a:t>* Since Recall = 1, </a:t>
-            </a:r>
-            <a:r>
-              <a:rPr lang="en-US" dirty="0"/>
-              <a:t>Qwen2.5-VL-7B-Instruct + </a:t>
-            </a:r>
-            <a:r>
-              <a:rPr lang="en-US" dirty="0" err="1"/>
-              <a:t>LoRA</a:t>
-            </a:r>
-            <a:r>
-              <a:rPr lang="en-US" dirty="0"/>
-              <a:t> (fine-tuned model) catch all sensitive images.  </a:t>
-            </a:r>
-          </a:p>
-          <a:p>
-            <a:pPr algn="l"/>
-            <a:r>
-              <a:rPr lang="en-US" dirty="0"/>
-              <a:t>Therefore the fine-tuned model wrongly flags ~586/1000 non-sensitive images (Precision 0.631).</a:t>
-            </a:r>
-          </a:p>
-          <a:p>
-            <a:pPr algn="l"/>
+              <a:t>Recall = 1 in both models, </a:t>
+            </a:r>
+            <a:r>
+              <a:rPr lang="en-US" b="1" dirty="0">
+                <a:sym typeface="Wingdings" panose="05000000000000000000" pitchFamily="2" charset="2"/>
+              </a:rPr>
+              <a:t>but</a:t>
+            </a:r>
             <a:r>
               <a:rPr lang="en-US" dirty="0">
                 <a:sym typeface="Wingdings" panose="05000000000000000000" pitchFamily="2" charset="2"/>
               </a:rPr>
-              <a:t>~414 non-sensitive images are correctly identified  Acc = 0.707</a:t>
-            </a:r>
-          </a:p>
-          <a:p>
-            <a:pPr algn="l"/>
-            <a:endParaRPr lang="en-US" dirty="0">
-              <a:sym typeface="Wingdings" panose="05000000000000000000" pitchFamily="2" charset="2"/>
-            </a:endParaRPr>
-          </a:p>
-          <a:p>
-            <a:pPr algn="l"/>
-            <a:endParaRPr lang="en-US" dirty="0">
-              <a:sym typeface="Wingdings" panose="05000000000000000000" pitchFamily="2" charset="2"/>
-            </a:endParaRPr>
+              <a:t> precision increases after fine-tuning  safer, more actionable alerts from the model regarding Sensitive data.</a:t>
+            </a:r>
           </a:p>
         </p:txBody>
       </p:sp>
     </p:spTree>
     <p:extLst>
       <p:ext uri="{BB962C8B-B14F-4D97-AF65-F5344CB8AC3E}">
-        <p14:creationId xmlns:p14="http://schemas.microsoft.com/office/powerpoint/2010/main" val="2675008038"/>
+        <p14:creationId xmlns:p14="http://schemas.microsoft.com/office/powerpoint/2010/main" val="2230535177"/>
       </p:ext>
     </p:extLst>
   </p:cSld>
@@ -6533,7 +7195,7 @@
 </p:sld>
 </file>
 
-<file path=ppt/slides/slide12.xml><?xml version="1.0" encoding="utf-8"?>
+<file path=ppt/slides/slide14.xml><?xml version="1.0" encoding="utf-8"?>
 <p:sld xmlns:a="http://schemas.openxmlformats.org/drawingml/2006/main" xmlns:r="http://schemas.openxmlformats.org/officeDocument/2006/relationships" xmlns:p="http://schemas.openxmlformats.org/presentationml/2006/main">
   <p:cSld>
     <p:spTree>
@@ -6644,6 +7306,206 @@
               <a:rPr lang="en-US" dirty="0">
                 <a:sym typeface="Wingdings" panose="05000000000000000000" pitchFamily="2" charset="2"/>
               </a:rPr>
+              <a:t>Accuracy: </a:t>
+            </a:r>
+          </a:p>
+          <a:p>
+            <a:pPr algn="l"/>
+            <a:r>
+              <a:rPr lang="en-US" dirty="0">
+                <a:sym typeface="Wingdings" panose="05000000000000000000" pitchFamily="2" charset="2"/>
+              </a:rPr>
+              <a:t>* Since Recall = 1, </a:t>
+            </a:r>
+            <a:r>
+              <a:rPr lang="en-US" dirty="0"/>
+              <a:t>Qwen2.5-VL-7B-Instruct (base model) catch all sensitive images.  Therefore the base model wrongly flags ~958/1000 non-sensitive images (Precision 0.511).</a:t>
+            </a:r>
+          </a:p>
+          <a:p>
+            <a:pPr algn="l"/>
+            <a:r>
+              <a:rPr lang="en-US" dirty="0">
+                <a:sym typeface="Wingdings" panose="05000000000000000000" pitchFamily="2" charset="2"/>
+              </a:rPr>
+              <a:t>Only ~42 non-sensitive images are correctly identified  Acc = 0.521</a:t>
+            </a:r>
+          </a:p>
+          <a:p>
+            <a:pPr algn="l"/>
+            <a:r>
+              <a:rPr lang="en-US" dirty="0">
+                <a:sym typeface="Wingdings" panose="05000000000000000000" pitchFamily="2" charset="2"/>
+              </a:rPr>
+              <a:t>* Since Recall = 1, </a:t>
+            </a:r>
+            <a:r>
+              <a:rPr lang="en-US" dirty="0"/>
+              <a:t>Qwen2.5-VL-7B-Instruct + </a:t>
+            </a:r>
+            <a:r>
+              <a:rPr lang="en-US" dirty="0" err="1"/>
+              <a:t>LoRA</a:t>
+            </a:r>
+            <a:r>
+              <a:rPr lang="en-US" dirty="0"/>
+              <a:t> (fine-tuned model) catch all sensitive images.  </a:t>
+            </a:r>
+          </a:p>
+          <a:p>
+            <a:pPr algn="l"/>
+            <a:r>
+              <a:rPr lang="en-US" dirty="0"/>
+              <a:t>Therefore the fine-tuned model wrongly flags ~586/1000 non-sensitive images (Precision 0.631).</a:t>
+            </a:r>
+          </a:p>
+          <a:p>
+            <a:pPr algn="l"/>
+            <a:r>
+              <a:rPr lang="en-US" dirty="0">
+                <a:sym typeface="Wingdings" panose="05000000000000000000" pitchFamily="2" charset="2"/>
+              </a:rPr>
+              <a:t>~414 non-sensitive images are correctly identified  Acc = 0.707</a:t>
+            </a:r>
+          </a:p>
+          <a:p>
+            <a:pPr algn="l"/>
+            <a:endParaRPr lang="en-US" dirty="0">
+              <a:sym typeface="Wingdings" panose="05000000000000000000" pitchFamily="2" charset="2"/>
+            </a:endParaRPr>
+          </a:p>
+          <a:p>
+            <a:pPr algn="l"/>
+            <a:endParaRPr lang="en-US" dirty="0">
+              <a:sym typeface="Wingdings" panose="05000000000000000000" pitchFamily="2" charset="2"/>
+            </a:endParaRPr>
+          </a:p>
+        </p:txBody>
+      </p:sp>
+    </p:spTree>
+    <p:extLst>
+      <p:ext uri="{BB962C8B-B14F-4D97-AF65-F5344CB8AC3E}">
+        <p14:creationId xmlns:p14="http://schemas.microsoft.com/office/powerpoint/2010/main" val="2675008038"/>
+      </p:ext>
+    </p:extLst>
+  </p:cSld>
+  <p:clrMapOvr>
+    <a:masterClrMapping/>
+  </p:clrMapOvr>
+</p:sld>
+</file>
+
+<file path=ppt/slides/slide15.xml><?xml version="1.0" encoding="utf-8"?>
+<p:sld xmlns:a="http://schemas.openxmlformats.org/drawingml/2006/main" xmlns:r="http://schemas.openxmlformats.org/officeDocument/2006/relationships" xmlns:p="http://schemas.openxmlformats.org/presentationml/2006/main">
+  <p:cSld>
+    <p:spTree>
+      <p:nvGrpSpPr>
+        <p:cNvPr id="1" name="">
+          <a:extLst>
+            <a:ext uri="{FF2B5EF4-FFF2-40B4-BE49-F238E27FC236}">
+              <a16:creationId xmlns:a16="http://schemas.microsoft.com/office/drawing/2014/main" id="{86652680-F336-E30D-4540-2ACBA1CA5763}"/>
+            </a:ext>
+          </a:extLst>
+        </p:cNvPr>
+        <p:cNvGrpSpPr/>
+        <p:nvPr/>
+      </p:nvGrpSpPr>
+      <p:grpSpPr>
+        <a:xfrm>
+          <a:off x="0" y="0"/>
+          <a:ext cx="0" cy="0"/>
+          <a:chOff x="0" y="0"/>
+          <a:chExt cx="0" cy="0"/>
+        </a:xfrm>
+      </p:grpSpPr>
+      <p:sp>
+        <p:nvSpPr>
+          <p:cNvPr id="2" name="Title 1">
+            <a:extLst>
+              <a:ext uri="{FF2B5EF4-FFF2-40B4-BE49-F238E27FC236}">
+                <a16:creationId xmlns:a16="http://schemas.microsoft.com/office/drawing/2014/main" id="{83300A38-0DB2-E22A-9D40-58CD1D5096C7}"/>
+              </a:ext>
+            </a:extLst>
+          </p:cNvPr>
+          <p:cNvSpPr>
+            <a:spLocks noGrp="1"/>
+          </p:cNvSpPr>
+          <p:nvPr>
+            <p:ph type="ctrTitle"/>
+          </p:nvPr>
+        </p:nvSpPr>
+        <p:spPr>
+          <a:xfrm>
+            <a:off x="585052" y="454133"/>
+            <a:ext cx="6269879" cy="693120"/>
+          </a:xfrm>
+        </p:spPr>
+        <p:txBody>
+          <a:bodyPr>
+            <a:normAutofit/>
+          </a:bodyPr>
+          <a:lstStyle/>
+          <a:p>
+            <a:pPr algn="l"/>
+            <a:r>
+              <a:rPr lang="en-US" sz="3200" dirty="0"/>
+              <a:t>Intermediate Results</a:t>
+            </a:r>
+            <a:endParaRPr lang="en-IL" sz="8800" dirty="0"/>
+          </a:p>
+        </p:txBody>
+      </p:sp>
+      <p:sp>
+        <p:nvSpPr>
+          <p:cNvPr id="3" name="Subtitle 2">
+            <a:extLst>
+              <a:ext uri="{FF2B5EF4-FFF2-40B4-BE49-F238E27FC236}">
+                <a16:creationId xmlns:a16="http://schemas.microsoft.com/office/drawing/2014/main" id="{5C96F17F-045B-8B07-9DD7-E24B50DC1956}"/>
+              </a:ext>
+            </a:extLst>
+          </p:cNvPr>
+          <p:cNvSpPr>
+            <a:spLocks noGrp="1"/>
+          </p:cNvSpPr>
+          <p:nvPr>
+            <p:ph type="subTitle" idx="1"/>
+          </p:nvPr>
+        </p:nvSpPr>
+        <p:spPr>
+          <a:xfrm>
+            <a:off x="711882" y="1233520"/>
+            <a:ext cx="11218275" cy="5369798"/>
+          </a:xfrm>
+        </p:spPr>
+        <p:txBody>
+          <a:bodyPr>
+            <a:normAutofit/>
+          </a:bodyPr>
+          <a:lstStyle/>
+          <a:p>
+            <a:pPr algn="l"/>
+            <a:r>
+              <a:rPr lang="en-US" b="1" u="sng" dirty="0"/>
+              <a:t>Anal</a:t>
+            </a:r>
+            <a:r>
+              <a:rPr lang="en-GB" b="1" u="sng" dirty="0" err="1"/>
+              <a:t>ysis</a:t>
+            </a:r>
+            <a:r>
+              <a:rPr lang="en-US" b="1" u="sng" dirty="0"/>
+              <a:t>:</a:t>
+            </a:r>
+          </a:p>
+          <a:p>
+            <a:pPr marL="342900" indent="-342900" algn="l">
+              <a:buFont typeface="Arial" panose="020B0604020202020204" pitchFamily="34" charset="0"/>
+              <a:buChar char="•"/>
+            </a:pPr>
+            <a:r>
+              <a:rPr lang="en-US" dirty="0">
+                <a:sym typeface="Wingdings" panose="05000000000000000000" pitchFamily="2" charset="2"/>
+              </a:rPr>
               <a:t>Because recall is already 1 in both models, the accuracy gain is entirely due to better selectivity on non-sensitive images.</a:t>
             </a:r>
           </a:p>
@@ -6713,6 +7575,240 @@
     <p:extLst>
       <p:ext uri="{BB962C8B-B14F-4D97-AF65-F5344CB8AC3E}">
         <p14:creationId xmlns:p14="http://schemas.microsoft.com/office/powerpoint/2010/main" val="1004020630"/>
+      </p:ext>
+    </p:extLst>
+  </p:cSld>
+  <p:clrMapOvr>
+    <a:masterClrMapping/>
+  </p:clrMapOvr>
+</p:sld>
+</file>
+
+<file path=ppt/slides/slide16.xml><?xml version="1.0" encoding="utf-8"?>
+<p:sld xmlns:a="http://schemas.openxmlformats.org/drawingml/2006/main" xmlns:r="http://schemas.openxmlformats.org/officeDocument/2006/relationships" xmlns:p="http://schemas.openxmlformats.org/presentationml/2006/main">
+  <p:cSld>
+    <p:spTree>
+      <p:nvGrpSpPr>
+        <p:cNvPr id="1" name="">
+          <a:extLst>
+            <a:ext uri="{FF2B5EF4-FFF2-40B4-BE49-F238E27FC236}">
+              <a16:creationId xmlns:a16="http://schemas.microsoft.com/office/drawing/2014/main" id="{F8777198-1373-1530-D241-22CBDFFD9A93}"/>
+            </a:ext>
+          </a:extLst>
+        </p:cNvPr>
+        <p:cNvGrpSpPr/>
+        <p:nvPr/>
+      </p:nvGrpSpPr>
+      <p:grpSpPr>
+        <a:xfrm>
+          <a:off x="0" y="0"/>
+          <a:ext cx="0" cy="0"/>
+          <a:chOff x="0" y="0"/>
+          <a:chExt cx="0" cy="0"/>
+        </a:xfrm>
+      </p:grpSpPr>
+      <p:sp>
+        <p:nvSpPr>
+          <p:cNvPr id="2" name="Title 1">
+            <a:extLst>
+              <a:ext uri="{FF2B5EF4-FFF2-40B4-BE49-F238E27FC236}">
+                <a16:creationId xmlns:a16="http://schemas.microsoft.com/office/drawing/2014/main" id="{9D2AFDF4-0BBB-DBA2-EF08-1924E8521A0E}"/>
+              </a:ext>
+            </a:extLst>
+          </p:cNvPr>
+          <p:cNvSpPr>
+            <a:spLocks noGrp="1"/>
+          </p:cNvSpPr>
+          <p:nvPr>
+            <p:ph type="ctrTitle"/>
+          </p:nvPr>
+        </p:nvSpPr>
+        <p:spPr>
+          <a:xfrm>
+            <a:off x="585052" y="454133"/>
+            <a:ext cx="6269879" cy="693120"/>
+          </a:xfrm>
+        </p:spPr>
+        <p:txBody>
+          <a:bodyPr>
+            <a:normAutofit/>
+          </a:bodyPr>
+          <a:lstStyle/>
+          <a:p>
+            <a:pPr algn="l"/>
+            <a:r>
+              <a:rPr lang="en-US" sz="3200" dirty="0"/>
+              <a:t>Intermediate Results</a:t>
+            </a:r>
+            <a:endParaRPr lang="en-IL" sz="8800" dirty="0"/>
+          </a:p>
+        </p:txBody>
+      </p:sp>
+      <p:sp>
+        <p:nvSpPr>
+          <p:cNvPr id="3" name="Subtitle 2">
+            <a:extLst>
+              <a:ext uri="{FF2B5EF4-FFF2-40B4-BE49-F238E27FC236}">
+                <a16:creationId xmlns:a16="http://schemas.microsoft.com/office/drawing/2014/main" id="{0F15A85F-A373-6FA5-A62A-0C3939DA51AB}"/>
+              </a:ext>
+            </a:extLst>
+          </p:cNvPr>
+          <p:cNvSpPr>
+            <a:spLocks noGrp="1"/>
+          </p:cNvSpPr>
+          <p:nvPr>
+            <p:ph type="subTitle" idx="1"/>
+          </p:nvPr>
+        </p:nvSpPr>
+        <p:spPr>
+          <a:xfrm>
+            <a:off x="711882" y="1233520"/>
+            <a:ext cx="11218275" cy="5369798"/>
+          </a:xfrm>
+        </p:spPr>
+        <p:txBody>
+          <a:bodyPr>
+            <a:normAutofit/>
+          </a:bodyPr>
+          <a:lstStyle/>
+          <a:p>
+            <a:pPr algn="l"/>
+            <a:r>
+              <a:rPr lang="en-US" b="1" u="sng" dirty="0"/>
+              <a:t>Summary:</a:t>
+            </a:r>
+          </a:p>
+          <a:p>
+            <a:pPr marL="342900" indent="-342900" algn="l">
+              <a:buFont typeface="Arial" panose="020B0604020202020204" pitchFamily="34" charset="0"/>
+              <a:buChar char="•"/>
+            </a:pPr>
+            <a:r>
+              <a:rPr lang="en-US" dirty="0"/>
+              <a:t>Fine-tuned two VLMs: </a:t>
+            </a:r>
+            <a:r>
+              <a:rPr lang="en-US" b="1" dirty="0"/>
+              <a:t>BLIP-2</a:t>
+            </a:r>
+            <a:r>
+              <a:rPr lang="en-US" dirty="0"/>
+              <a:t> and </a:t>
+            </a:r>
+            <a:r>
+              <a:rPr lang="en-US" b="1" dirty="0"/>
+              <a:t>Qwen2.5-VL-7B</a:t>
+            </a:r>
+            <a:r>
+              <a:rPr lang="en-US" dirty="0"/>
+              <a:t>, both with </a:t>
+            </a:r>
+            <a:r>
+              <a:rPr lang="en-US" b="1" dirty="0" err="1"/>
+              <a:t>LoRA</a:t>
+            </a:r>
+            <a:r>
+              <a:rPr lang="en-US" b="1" dirty="0"/>
+              <a:t> adapters</a:t>
+            </a:r>
+            <a:r>
+              <a:rPr lang="en-US" dirty="0"/>
+              <a:t>.</a:t>
+            </a:r>
+          </a:p>
+          <a:p>
+            <a:pPr marL="342900" indent="-342900" algn="l">
+              <a:buFont typeface="Arial" panose="020B0604020202020204" pitchFamily="34" charset="0"/>
+              <a:buChar char="•"/>
+            </a:pPr>
+            <a:r>
+              <a:rPr lang="en-US" b="1" dirty="0"/>
+              <a:t>BLIP-2</a:t>
+            </a:r>
+            <a:r>
+              <a:rPr lang="en-US" dirty="0"/>
+              <a:t> showed limited per-class coverage → not suitable for reliable detection.</a:t>
+            </a:r>
+          </a:p>
+          <a:p>
+            <a:pPr marL="342900" indent="-342900" algn="l">
+              <a:buFont typeface="Arial" panose="020B0604020202020204" pitchFamily="34" charset="0"/>
+              <a:buChar char="•"/>
+            </a:pPr>
+            <a:r>
+              <a:rPr lang="en-US" b="1" dirty="0"/>
+              <a:t>Qwen2.5-VL-7B + </a:t>
+            </a:r>
+            <a:r>
+              <a:rPr lang="en-US" b="1" dirty="0" err="1"/>
+              <a:t>LoRA</a:t>
+            </a:r>
+            <a:r>
+              <a:rPr lang="en-US" dirty="0"/>
+              <a:t> delivered strong performance:</a:t>
+            </a:r>
+          </a:p>
+          <a:p>
+            <a:pPr marL="800100" lvl="1" indent="-342900" algn="l">
+              <a:buFont typeface="Arial" panose="020B0604020202020204" pitchFamily="34" charset="0"/>
+              <a:buChar char="•"/>
+            </a:pPr>
+            <a:r>
+              <a:rPr lang="en-US" b="1" dirty="0"/>
+              <a:t>Perfect recall (1.0)</a:t>
+            </a:r>
+            <a:r>
+              <a:rPr lang="en-US" dirty="0"/>
+              <a:t> on sensitive data.</a:t>
+            </a:r>
+          </a:p>
+          <a:p>
+            <a:pPr marL="800100" lvl="1" indent="-342900" algn="l">
+              <a:buFont typeface="Arial" panose="020B0604020202020204" pitchFamily="34" charset="0"/>
+              <a:buChar char="•"/>
+            </a:pPr>
+            <a:r>
+              <a:rPr lang="en-US" b="1" dirty="0"/>
+              <a:t>Higher precision and accuracy</a:t>
+            </a:r>
+            <a:r>
+              <a:rPr lang="en-US" dirty="0"/>
+              <a:t>, reducing false alarms.</a:t>
+            </a:r>
+          </a:p>
+          <a:p>
+            <a:pPr lvl="1" algn="l"/>
+            <a:endParaRPr lang="en-US" dirty="0"/>
+          </a:p>
+          <a:p>
+            <a:pPr lvl="1" algn="l"/>
+            <a:endParaRPr lang="en-US" dirty="0"/>
+          </a:p>
+          <a:p>
+            <a:pPr marL="342900" indent="-342900" algn="l">
+              <a:buFont typeface="Arial" panose="020B0604020202020204" pitchFamily="34" charset="0"/>
+              <a:buChar char="•"/>
+            </a:pPr>
+            <a:r>
+              <a:rPr lang="en-US" dirty="0"/>
+              <a:t>Demonstrated that lightweight fine-tuning can make VLMs useful for protecting privacy and following compliance rules.</a:t>
+            </a:r>
+            <a:endParaRPr lang="en-US" dirty="0">
+              <a:sym typeface="Wingdings" panose="05000000000000000000" pitchFamily="2" charset="2"/>
+            </a:endParaRPr>
+          </a:p>
+          <a:p>
+            <a:pPr algn="l"/>
+            <a:endParaRPr lang="en-US" dirty="0">
+              <a:sym typeface="Wingdings" panose="05000000000000000000" pitchFamily="2" charset="2"/>
+            </a:endParaRPr>
+          </a:p>
+        </p:txBody>
+      </p:sp>
+    </p:spTree>
+    <p:extLst>
+      <p:ext uri="{BB962C8B-B14F-4D97-AF65-F5344CB8AC3E}">
+        <p14:creationId xmlns:p14="http://schemas.microsoft.com/office/powerpoint/2010/main" val="196770067"/>
       </p:ext>
     </p:extLst>
   </p:cSld>
@@ -7039,6 +8135,14 @@
             </a:r>
             <a:r>
               <a:rPr lang="en-US" b="1" u="sng" dirty="0"/>
+              <a:t>, BLIP-2 + </a:t>
+            </a:r>
+            <a:r>
+              <a:rPr lang="en-US" b="1" u="sng" dirty="0" err="1"/>
+              <a:t>LoRA</a:t>
+            </a:r>
+            <a:r>
+              <a:rPr lang="en-US" b="1" u="sng" dirty="0"/>
               <a:t>):</a:t>
             </a:r>
             <a:br>
@@ -7046,7 +8150,23 @@
             </a:br>
             <a:r>
               <a:rPr lang="en-US" dirty="0"/>
-              <a:t>Fine-tune the Qwen2.5 vision-language model using Low-Rank Adaptation (</a:t>
+              <a:t>Fine-tune two vision-language models – </a:t>
+            </a:r>
+            <a:r>
+              <a:rPr lang="en-US" b="1" dirty="0"/>
+              <a:t>Qwen2.5-VL-7B-Instruct</a:t>
+            </a:r>
+            <a:r>
+              <a:rPr lang="en-US" dirty="0"/>
+              <a:t> and </a:t>
+            </a:r>
+            <a:r>
+              <a:rPr lang="en-US" b="1" dirty="0"/>
+              <a:t>BLIP-2 (Flan-T5-XL) </a:t>
+            </a:r>
+            <a:r>
+              <a:rPr lang="en-US" dirty="0"/>
+              <a:t>– using Low-Rank Adaption (</a:t>
             </a:r>
             <a:r>
               <a:rPr lang="en-US" dirty="0" err="1"/>
@@ -7054,8 +8174,9 @@
             </a:r>
             <a:r>
               <a:rPr lang="en-US" dirty="0"/>
-              <a:t>) for efficient training on our dataset.</a:t>
-            </a:r>
+              <a:t>). Both follow the same JSON schema and evaluation setup for fairness.</a:t>
+            </a:r>
+            <a:endParaRPr lang="en-US" b="1" dirty="0"/>
           </a:p>
           <a:p>
             <a:pPr algn="l"/>
@@ -7076,11 +8197,8 @@
             </a:br>
             <a:r>
               <a:rPr lang="en-US" dirty="0"/>
-              <a:t>Compare outputs from base and fine-tuned models to evaluate learning progress and sensitivity awareness.</a:t>
-            </a:r>
-          </a:p>
-          <a:p>
-            <a:pPr algn="l"/>
+              <a:t>Compare outputs from base and fine-tuned models (both Qwen2.5 and BLIP-2) to evaluate learning progress, sensitivity detection, and trade-offs between architectures.</a:t>
+            </a:r>
             <a:endParaRPr lang="en-IL" dirty="0"/>
           </a:p>
         </p:txBody>
@@ -7317,12 +8435,11 @@
               <a:t>: </a:t>
             </a:r>
             <a:r>
-              <a:rPr lang="en-US" dirty="0"/>
-              <a:t>url</a:t>
-            </a:r>
-          </a:p>
-          <a:p>
-            <a:pPr algn="l"/>
+              <a:rPr lang="en-US" b="1" dirty="0">
+                <a:hlinkClick r:id="rId2"/>
+              </a:rPr>
+              <a:t>URL</a:t>
+            </a:r>
             <a:endParaRPr lang="en-IL" dirty="0"/>
           </a:p>
         </p:txBody>
@@ -7424,7 +8541,7 @@
         </p:spPr>
         <p:txBody>
           <a:bodyPr>
-            <a:normAutofit fontScale="85000" lnSpcReduction="10000"/>
+            <a:normAutofit fontScale="77500" lnSpcReduction="20000"/>
           </a:bodyPr>
           <a:lstStyle/>
           <a:p>
@@ -7448,6 +8565,28 @@
               <a:t>LoRA</a:t>
             </a:r>
             <a:endParaRPr lang="en-US" dirty="0"/>
+          </a:p>
+          <a:p>
+            <a:pPr marL="342900" indent="-342900" algn="l">
+              <a:buFont typeface="Arial" panose="020B0604020202020204" pitchFamily="34" charset="0"/>
+              <a:buChar char="•"/>
+            </a:pPr>
+            <a:r>
+              <a:rPr lang="en-US" dirty="0"/>
+              <a:t>BLIP-2 (Flan-T5-XL) + </a:t>
+            </a:r>
+            <a:r>
+              <a:rPr lang="en-US" dirty="0" err="1"/>
+              <a:t>LoRA</a:t>
+            </a:r>
+            <a:endParaRPr lang="en-US" dirty="0"/>
+          </a:p>
+          <a:p>
+            <a:pPr algn="l"/>
+            <a:r>
+              <a:rPr lang="en-US" dirty="0"/>
+              <a:t>(Both trained with frozen base weights and lightweight adapters for a fair comparison.)</a:t>
+            </a:r>
           </a:p>
           <a:p>
             <a:pPr marL="342900" indent="-342900" algn="l">
@@ -7567,7 +8706,7 @@
             <a:pPr algn="l"/>
             <a:r>
               <a:rPr lang="en-US" dirty="0"/>
-              <a:t>Training Time: 24 Hours</a:t>
+              <a:t>Training Time: ~24 Hours per model</a:t>
             </a:r>
             <a:br>
               <a:rPr lang="en-US" dirty="0"/>
@@ -7594,196 +8733,6 @@
 </file>
 
 <file path=ppt/slides/slide6.xml><?xml version="1.0" encoding="utf-8"?>
-<p:sld xmlns:a="http://schemas.openxmlformats.org/drawingml/2006/main" xmlns:r="http://schemas.openxmlformats.org/officeDocument/2006/relationships" xmlns:p="http://schemas.openxmlformats.org/presentationml/2006/main">
-  <p:cSld>
-    <p:spTree>
-      <p:nvGrpSpPr>
-        <p:cNvPr id="1" name="">
-          <a:extLst>
-            <a:ext uri="{FF2B5EF4-FFF2-40B4-BE49-F238E27FC236}">
-              <a16:creationId xmlns:a16="http://schemas.microsoft.com/office/drawing/2014/main" id="{A2A467B9-5C4D-8F96-6CB0-6A6CB2EAD8DE}"/>
-            </a:ext>
-          </a:extLst>
-        </p:cNvPr>
-        <p:cNvGrpSpPr/>
-        <p:nvPr/>
-      </p:nvGrpSpPr>
-      <p:grpSpPr>
-        <a:xfrm>
-          <a:off x="0" y="0"/>
-          <a:ext cx="0" cy="0"/>
-          <a:chOff x="0" y="0"/>
-          <a:chExt cx="0" cy="0"/>
-        </a:xfrm>
-      </p:grpSpPr>
-      <p:sp>
-        <p:nvSpPr>
-          <p:cNvPr id="2" name="Title 1">
-            <a:extLst>
-              <a:ext uri="{FF2B5EF4-FFF2-40B4-BE49-F238E27FC236}">
-                <a16:creationId xmlns:a16="http://schemas.microsoft.com/office/drawing/2014/main" id="{3783E8BA-DCA4-AFCF-B7C3-794D43439B76}"/>
-              </a:ext>
-            </a:extLst>
-          </p:cNvPr>
-          <p:cNvSpPr>
-            <a:spLocks noGrp="1"/>
-          </p:cNvSpPr>
-          <p:nvPr>
-            <p:ph type="ctrTitle"/>
-          </p:nvPr>
-        </p:nvSpPr>
-        <p:spPr>
-          <a:xfrm>
-            <a:off x="585052" y="454133"/>
-            <a:ext cx="6269879" cy="693120"/>
-          </a:xfrm>
-        </p:spPr>
-        <p:txBody>
-          <a:bodyPr>
-            <a:normAutofit/>
-          </a:bodyPr>
-          <a:lstStyle/>
-          <a:p>
-            <a:pPr algn="l"/>
-            <a:r>
-              <a:rPr lang="en-US" sz="3200" dirty="0"/>
-              <a:t>Intermediate Results</a:t>
-            </a:r>
-            <a:endParaRPr lang="en-IL" sz="8800" dirty="0"/>
-          </a:p>
-        </p:txBody>
-      </p:sp>
-      <p:sp>
-        <p:nvSpPr>
-          <p:cNvPr id="3" name="Subtitle 2">
-            <a:extLst>
-              <a:ext uri="{FF2B5EF4-FFF2-40B4-BE49-F238E27FC236}">
-                <a16:creationId xmlns:a16="http://schemas.microsoft.com/office/drawing/2014/main" id="{CB127B0C-F239-3F43-58C1-98748A59BEB2}"/>
-              </a:ext>
-            </a:extLst>
-          </p:cNvPr>
-          <p:cNvSpPr>
-            <a:spLocks noGrp="1"/>
-          </p:cNvSpPr>
-          <p:nvPr>
-            <p:ph type="subTitle" idx="1"/>
-          </p:nvPr>
-        </p:nvSpPr>
-        <p:spPr>
-          <a:xfrm>
-            <a:off x="711882" y="1233520"/>
-            <a:ext cx="11218275" cy="5369798"/>
-          </a:xfrm>
-        </p:spPr>
-        <p:txBody>
-          <a:bodyPr>
-            <a:normAutofit/>
-          </a:bodyPr>
-          <a:lstStyle/>
-          <a:p>
-            <a:pPr algn="l"/>
-            <a:r>
-              <a:rPr lang="en-US" b="1" u="sng" dirty="0"/>
-              <a:t>Training Summary:</a:t>
-            </a:r>
-          </a:p>
-          <a:p>
-            <a:pPr marL="342900" indent="-342900" algn="l">
-              <a:buFont typeface="Arial" panose="020B0604020202020204" pitchFamily="34" charset="0"/>
-              <a:buChar char="•"/>
-            </a:pPr>
-            <a:r>
-              <a:rPr lang="en-US" dirty="0"/>
-              <a:t>Qwen 2.5-VL-7B-Instruct fine-tuned with </a:t>
-            </a:r>
-            <a:r>
-              <a:rPr lang="en-US" dirty="0" err="1"/>
-              <a:t>LoRA</a:t>
-            </a:r>
-            <a:r>
-              <a:rPr lang="en-US" dirty="0"/>
-              <a:t> to detect sensitive data and recognize PII (Personally Identifiable Information) types from images.</a:t>
-            </a:r>
-          </a:p>
-          <a:p>
-            <a:pPr marL="342900" indent="-342900" algn="l">
-              <a:buFont typeface="Arial" panose="020B0604020202020204" pitchFamily="34" charset="0"/>
-              <a:buChar char="•"/>
-            </a:pPr>
-            <a:r>
-              <a:rPr lang="en-US" dirty="0"/>
-              <a:t>Model is prompted to return JSON labels (true/false per class).</a:t>
-            </a:r>
-          </a:p>
-          <a:p>
-            <a:pPr marL="342900" indent="-342900" algn="l">
-              <a:buFont typeface="Arial" panose="020B0604020202020204" pitchFamily="34" charset="0"/>
-              <a:buChar char="•"/>
-            </a:pPr>
-            <a:endParaRPr lang="en-US" dirty="0"/>
-          </a:p>
-          <a:p>
-            <a:pPr marL="342900" indent="-342900" algn="l">
-              <a:buFont typeface="Arial" panose="020B0604020202020204" pitchFamily="34" charset="0"/>
-              <a:buChar char="•"/>
-            </a:pPr>
-            <a:r>
-              <a:rPr lang="en-US" dirty="0"/>
-              <a:t>Instead of training the 7B parameters of the base model (Qwen 2.5-VL) and update the whole model, we used </a:t>
-            </a:r>
-            <a:r>
-              <a:rPr lang="en-US" dirty="0" err="1"/>
-              <a:t>LoRA</a:t>
-            </a:r>
-            <a:r>
-              <a:rPr lang="en-US" dirty="0"/>
-              <a:t> adapters. </a:t>
-            </a:r>
-          </a:p>
-          <a:p>
-            <a:pPr marL="342900" indent="-342900" algn="l">
-              <a:buFont typeface="Arial" panose="020B0604020202020204" pitchFamily="34" charset="0"/>
-              <a:buChar char="•"/>
-            </a:pPr>
-            <a:r>
-              <a:rPr lang="en-US" dirty="0"/>
-              <a:t>That means only small add-on layers were trained while the big model stayed frozen.</a:t>
-            </a:r>
-          </a:p>
-          <a:p>
-            <a:pPr marL="342900" indent="-342900" algn="l">
-              <a:buFont typeface="Arial" panose="020B0604020202020204" pitchFamily="34" charset="0"/>
-              <a:buChar char="•"/>
-            </a:pPr>
-            <a:r>
-              <a:rPr lang="en-US" dirty="0"/>
-              <a:t>This makes training much lighter and faster, but still lets the model learn how to recognize our PII classes.</a:t>
-            </a:r>
-            <a:br>
-              <a:rPr lang="en-US" dirty="0"/>
-            </a:br>
-            <a:endParaRPr lang="en-US" dirty="0"/>
-          </a:p>
-          <a:p>
-            <a:pPr algn="l"/>
-            <a:endParaRPr lang="en-IL" dirty="0"/>
-          </a:p>
-        </p:txBody>
-      </p:sp>
-    </p:spTree>
-    <p:extLst>
-      <p:ext uri="{BB962C8B-B14F-4D97-AF65-F5344CB8AC3E}">
-        <p14:creationId xmlns:p14="http://schemas.microsoft.com/office/powerpoint/2010/main" val="3998019574"/>
-      </p:ext>
-    </p:extLst>
-  </p:cSld>
-  <p:clrMapOvr>
-    <a:masterClrMapping/>
-  </p:clrMapOvr>
-</p:sld>
-</file>
-
-<file path=ppt/slides/slide7.xml><?xml version="1.0" encoding="utf-8"?>
 <p:sld xmlns:a="http://schemas.openxmlformats.org/drawingml/2006/main" xmlns:r="http://schemas.openxmlformats.org/officeDocument/2006/relationships" xmlns:p="http://schemas.openxmlformats.org/presentationml/2006/main">
   <p:cSld>
     <p:spTree>
@@ -8469,7 +9418,7 @@
 </p:sld>
 </file>
 
-<file path=ppt/slides/slide8.xml><?xml version="1.0" encoding="utf-8"?>
+<file path=ppt/slides/slide7.xml><?xml version="1.0" encoding="utf-8"?>
 <p:sld xmlns:a="http://schemas.openxmlformats.org/drawingml/2006/main" xmlns:r="http://schemas.openxmlformats.org/officeDocument/2006/relationships" xmlns:p="http://schemas.openxmlformats.org/presentationml/2006/main">
   <p:cSld>
     <p:spTree>
@@ -8477,7 +9426,7 @@
         <p:cNvPr id="1" name="">
           <a:extLst>
             <a:ext uri="{FF2B5EF4-FFF2-40B4-BE49-F238E27FC236}">
-              <a16:creationId xmlns:a16="http://schemas.microsoft.com/office/drawing/2014/main" id="{F51E8AB4-0988-88BB-C749-9A3AABBB0CEF}"/>
+              <a16:creationId xmlns:a16="http://schemas.microsoft.com/office/drawing/2014/main" id="{A2A467B9-5C4D-8F96-6CB0-6A6CB2EAD8DE}"/>
             </a:ext>
           </a:extLst>
         </p:cNvPr>
@@ -8494,10 +9443,200 @@
       </p:grpSpPr>
       <p:sp>
         <p:nvSpPr>
+          <p:cNvPr id="2" name="Title 1">
+            <a:extLst>
+              <a:ext uri="{FF2B5EF4-FFF2-40B4-BE49-F238E27FC236}">
+                <a16:creationId xmlns:a16="http://schemas.microsoft.com/office/drawing/2014/main" id="{3783E8BA-DCA4-AFCF-B7C3-794D43439B76}"/>
+              </a:ext>
+            </a:extLst>
+          </p:cNvPr>
+          <p:cNvSpPr>
+            <a:spLocks noGrp="1"/>
+          </p:cNvSpPr>
+          <p:nvPr>
+            <p:ph type="ctrTitle"/>
+          </p:nvPr>
+        </p:nvSpPr>
+        <p:spPr>
+          <a:xfrm>
+            <a:off x="585052" y="454133"/>
+            <a:ext cx="6269879" cy="693120"/>
+          </a:xfrm>
+        </p:spPr>
+        <p:txBody>
+          <a:bodyPr>
+            <a:normAutofit/>
+          </a:bodyPr>
+          <a:lstStyle/>
+          <a:p>
+            <a:pPr algn="l"/>
+            <a:r>
+              <a:rPr lang="en-US" sz="3200" dirty="0"/>
+              <a:t>Intermediate Results</a:t>
+            </a:r>
+            <a:endParaRPr lang="en-IL" sz="8800" dirty="0"/>
+          </a:p>
+        </p:txBody>
+      </p:sp>
+      <p:sp>
+        <p:nvSpPr>
+          <p:cNvPr id="3" name="Subtitle 2">
+            <a:extLst>
+              <a:ext uri="{FF2B5EF4-FFF2-40B4-BE49-F238E27FC236}">
+                <a16:creationId xmlns:a16="http://schemas.microsoft.com/office/drawing/2014/main" id="{CB127B0C-F239-3F43-58C1-98748A59BEB2}"/>
+              </a:ext>
+            </a:extLst>
+          </p:cNvPr>
+          <p:cNvSpPr>
+            <a:spLocks noGrp="1"/>
+          </p:cNvSpPr>
+          <p:nvPr>
+            <p:ph type="subTitle" idx="1"/>
+          </p:nvPr>
+        </p:nvSpPr>
+        <p:spPr>
+          <a:xfrm>
+            <a:off x="711882" y="1233520"/>
+            <a:ext cx="11218275" cy="5369798"/>
+          </a:xfrm>
+        </p:spPr>
+        <p:txBody>
+          <a:bodyPr>
+            <a:normAutofit/>
+          </a:bodyPr>
+          <a:lstStyle/>
+          <a:p>
+            <a:pPr algn="l"/>
+            <a:r>
+              <a:rPr lang="en-US" b="1" u="sng" dirty="0"/>
+              <a:t>Training Summary:</a:t>
+            </a:r>
+          </a:p>
+          <a:p>
+            <a:pPr marL="342900" indent="-342900" algn="l">
+              <a:buFont typeface="Arial" panose="020B0604020202020204" pitchFamily="34" charset="0"/>
+              <a:buChar char="•"/>
+            </a:pPr>
+            <a:r>
+              <a:rPr lang="en-US" dirty="0"/>
+              <a:t>Qwen 2.5-VL-7B-Instruct and BLIP-2 fine-tuned with </a:t>
+            </a:r>
+            <a:r>
+              <a:rPr lang="en-US" dirty="0" err="1"/>
+              <a:t>LoRA</a:t>
+            </a:r>
+            <a:r>
+              <a:rPr lang="en-US" dirty="0"/>
+              <a:t> to detect sensitive data and recognize PII (Personally Identifiable Information) types from images.</a:t>
+            </a:r>
+          </a:p>
+          <a:p>
+            <a:pPr marL="342900" indent="-342900" algn="l">
+              <a:buFont typeface="Arial" panose="020B0604020202020204" pitchFamily="34" charset="0"/>
+              <a:buChar char="•"/>
+            </a:pPr>
+            <a:r>
+              <a:rPr lang="en-US" dirty="0"/>
+              <a:t>Model is prompted to return JSON labels (true/false per class).</a:t>
+            </a:r>
+          </a:p>
+          <a:p>
+            <a:pPr marL="342900" indent="-342900" algn="l">
+              <a:buFont typeface="Arial" panose="020B0604020202020204" pitchFamily="34" charset="0"/>
+              <a:buChar char="•"/>
+            </a:pPr>
+            <a:endParaRPr lang="en-US" dirty="0"/>
+          </a:p>
+          <a:p>
+            <a:pPr marL="342900" indent="-342900" algn="l">
+              <a:buFont typeface="Arial" panose="020B0604020202020204" pitchFamily="34" charset="0"/>
+              <a:buChar char="•"/>
+            </a:pPr>
+            <a:r>
+              <a:rPr lang="en-US" dirty="0"/>
+              <a:t>Instead of training all the parameters of the base model (Qwen 2.5-VL or BLIP-2) and update the whole model, we used </a:t>
+            </a:r>
+            <a:r>
+              <a:rPr lang="en-US" dirty="0" err="1"/>
+              <a:t>LoRA</a:t>
+            </a:r>
+            <a:r>
+              <a:rPr lang="en-US" dirty="0"/>
+              <a:t> adapters. </a:t>
+            </a:r>
+          </a:p>
+          <a:p>
+            <a:pPr marL="342900" indent="-342900" algn="l">
+              <a:buFont typeface="Arial" panose="020B0604020202020204" pitchFamily="34" charset="0"/>
+              <a:buChar char="•"/>
+            </a:pPr>
+            <a:r>
+              <a:rPr lang="en-US" dirty="0"/>
+              <a:t>That means only small add-on layers were trained while the big model stayed frozen.</a:t>
+            </a:r>
+          </a:p>
+          <a:p>
+            <a:pPr marL="342900" indent="-342900" algn="l">
+              <a:buFont typeface="Arial" panose="020B0604020202020204" pitchFamily="34" charset="0"/>
+              <a:buChar char="•"/>
+            </a:pPr>
+            <a:r>
+              <a:rPr lang="en-US" dirty="0"/>
+              <a:t>This makes training much lighter and faster but still lets the model learn how to recognize our PII classes.</a:t>
+            </a:r>
+            <a:br>
+              <a:rPr lang="en-US" dirty="0"/>
+            </a:br>
+            <a:endParaRPr lang="en-US" dirty="0"/>
+          </a:p>
+          <a:p>
+            <a:pPr algn="l"/>
+            <a:endParaRPr lang="en-IL" dirty="0"/>
+          </a:p>
+        </p:txBody>
+      </p:sp>
+    </p:spTree>
+    <p:extLst>
+      <p:ext uri="{BB962C8B-B14F-4D97-AF65-F5344CB8AC3E}">
+        <p14:creationId xmlns:p14="http://schemas.microsoft.com/office/powerpoint/2010/main" val="3998019574"/>
+      </p:ext>
+    </p:extLst>
+  </p:cSld>
+  <p:clrMapOvr>
+    <a:masterClrMapping/>
+  </p:clrMapOvr>
+</p:sld>
+</file>
+
+<file path=ppt/slides/slide8.xml><?xml version="1.0" encoding="utf-8"?>
+<p:sld xmlns:a="http://schemas.openxmlformats.org/drawingml/2006/main" xmlns:r="http://schemas.openxmlformats.org/officeDocument/2006/relationships" xmlns:p="http://schemas.openxmlformats.org/presentationml/2006/main">
+  <p:cSld>
+    <p:spTree>
+      <p:nvGrpSpPr>
+        <p:cNvPr id="1" name="">
+          <a:extLst>
+            <a:ext uri="{FF2B5EF4-FFF2-40B4-BE49-F238E27FC236}">
+              <a16:creationId xmlns:a16="http://schemas.microsoft.com/office/drawing/2014/main" id="{24C90929-EE25-8855-BA0A-41644AEDD18D}"/>
+            </a:ext>
+          </a:extLst>
+        </p:cNvPr>
+        <p:cNvGrpSpPr/>
+        <p:nvPr/>
+      </p:nvGrpSpPr>
+      <p:grpSpPr>
+        <a:xfrm>
+          <a:off x="0" y="0"/>
+          <a:ext cx="0" cy="0"/>
+          <a:chOff x="0" y="0"/>
+          <a:chExt cx="0" cy="0"/>
+        </a:xfrm>
+      </p:grpSpPr>
+      <p:sp>
+        <p:nvSpPr>
           <p:cNvPr id="6" name="Rectangle 5">
             <a:extLst>
               <a:ext uri="{FF2B5EF4-FFF2-40B4-BE49-F238E27FC236}">
-                <a16:creationId xmlns:a16="http://schemas.microsoft.com/office/drawing/2014/main" id="{E0A4C8AC-3EA1-47E2-9557-8C453CBA25BF}"/>
+                <a16:creationId xmlns:a16="http://schemas.microsoft.com/office/drawing/2014/main" id="{46EFBDC0-FE94-357C-B6DC-4863ACF9C461}"/>
               </a:ext>
             </a:extLst>
           </p:cNvPr>
@@ -8506,7 +9645,7 @@
         </p:nvSpPr>
         <p:spPr>
           <a:xfrm>
-            <a:off x="6221505" y="3361765"/>
+            <a:off x="6096000" y="981250"/>
             <a:ext cx="5728448" cy="3325906"/>
           </a:xfrm>
           <a:prstGeom prst="rect">
@@ -8546,7 +9685,7 @@
           <p:cNvPr id="2" name="Title 1">
             <a:extLst>
               <a:ext uri="{FF2B5EF4-FFF2-40B4-BE49-F238E27FC236}">
-                <a16:creationId xmlns:a16="http://schemas.microsoft.com/office/drawing/2014/main" id="{43173213-3E24-B952-52BA-4E423EE53E0C}"/>
+                <a16:creationId xmlns:a16="http://schemas.microsoft.com/office/drawing/2014/main" id="{FCA2039D-0E3C-A829-9E22-023E60C63180}"/>
               </a:ext>
             </a:extLst>
           </p:cNvPr>
@@ -8583,7 +9722,7 @@
           <p:cNvPr id="3" name="Subtitle 2">
             <a:extLst>
               <a:ext uri="{FF2B5EF4-FFF2-40B4-BE49-F238E27FC236}">
-                <a16:creationId xmlns:a16="http://schemas.microsoft.com/office/drawing/2014/main" id="{D532DD51-17C7-B1F0-BB8A-EF7F336C8E79}"/>
+                <a16:creationId xmlns:a16="http://schemas.microsoft.com/office/drawing/2014/main" id="{D01C37F8-3002-5F8E-2C9A-5E0DAC9AF69E}"/>
               </a:ext>
             </a:extLst>
           </p:cNvPr>
@@ -8602,14 +9741,14 @@
         </p:spPr>
         <p:txBody>
           <a:bodyPr>
-            <a:normAutofit fontScale="92500" lnSpcReduction="20000"/>
+            <a:normAutofit/>
           </a:bodyPr>
           <a:lstStyle/>
           <a:p>
             <a:pPr algn="l"/>
             <a:r>
               <a:rPr lang="en-US" b="1" u="sng" dirty="0"/>
-              <a:t>Base model “Qwen2.5-VL-7B-Instruct” results:</a:t>
+              <a:t>Base model “BLIP-2” results:</a:t>
             </a:r>
           </a:p>
           <a:p>
@@ -8619,17 +9758,7 @@
             </a:pPr>
             <a:r>
               <a:rPr lang="en-US" dirty="0"/>
-              <a:t>Macro-F1 (per-class) with 0-support classes: 0.5481</a:t>
-            </a:r>
-          </a:p>
-          <a:p>
-            <a:pPr marL="342900" indent="-342900" algn="l">
-              <a:buFont typeface="Arial" panose="020B0604020202020204" pitchFamily="34" charset="0"/>
-              <a:buChar char="•"/>
-            </a:pPr>
-            <a:r>
-              <a:rPr lang="en-US" dirty="0"/>
-              <a:t>Macro-F1 (per-class) without 0-support classes: 0.7306</a:t>
+              <a:t>Macro-F1 (per-class): 0.2227</a:t>
             </a:r>
           </a:p>
           <a:p>
@@ -8653,7 +9782,7 @@
             </a:pPr>
             <a:r>
               <a:rPr lang="en-US" dirty="0"/>
-              <a:t>F1 = 0.676</a:t>
+              <a:t>F1 = 0.787</a:t>
             </a:r>
           </a:p>
           <a:p>
@@ -8663,7 +9792,7 @@
             </a:pPr>
             <a:r>
               <a:rPr lang="en-US" dirty="0"/>
-              <a:t>Precision = 0.511</a:t>
+              <a:t>Precision = 0.780</a:t>
             </a:r>
           </a:p>
           <a:p>
@@ -8673,7 +9802,7 @@
             </a:pPr>
             <a:r>
               <a:rPr lang="en-US" dirty="0"/>
-              <a:t>Recall = 1</a:t>
+              <a:t>Recall = 0.794</a:t>
             </a:r>
           </a:p>
           <a:p>
@@ -8683,7 +9812,7 @@
             </a:pPr>
             <a:r>
               <a:rPr lang="en-US" dirty="0"/>
-              <a:t>Accuracy = 0.521 (52%)</a:t>
+              <a:t>Accuracy = 0.785 (78.5%)</a:t>
             </a:r>
           </a:p>
           <a:p>
@@ -8694,41 +9823,23 @@
             <a:endParaRPr lang="en-US" dirty="0"/>
           </a:p>
           <a:p>
-            <a:pPr algn="l"/>
-            <a:r>
-              <a:rPr lang="en-US" dirty="0"/>
-              <a:t>* No support in this evaluation for:</a:t>
-            </a:r>
-          </a:p>
-          <a:p>
-            <a:pPr algn="l"/>
-            <a:r>
-              <a:rPr lang="en-US" dirty="0"/>
-              <a:t>MEDICAL_LETTER, EMAIL, OTHER_PII </a:t>
-            </a:r>
-          </a:p>
-          <a:p>
-            <a:pPr algn="l"/>
-            <a:r>
-              <a:rPr lang="en-US" dirty="0"/>
-              <a:t>(As a result, the scores for these types are 0, which</a:t>
-            </a:r>
-          </a:p>
-          <a:p>
-            <a:pPr algn="l"/>
-            <a:r>
-              <a:rPr lang="en-US" dirty="0"/>
-              <a:t>Lowers the Macro-F1).</a:t>
+            <a:pPr marL="342900" indent="-342900" algn="l">
+              <a:buFont typeface="Arial" panose="020B0604020202020204" pitchFamily="34" charset="0"/>
+              <a:buChar char="•"/>
+            </a:pPr>
+            <a:r>
+              <a:rPr lang="en-US" dirty="0"/>
+              <a:t>BLIP-2 base shows strong recall and precision for a few classes (Phone Bill, Phone, Name), but misses others like Credit Card, SSN, and Address. It is limited in per-class coverage.</a:t>
             </a:r>
           </a:p>
         </p:txBody>
       </p:sp>
       <p:pic>
         <p:nvPicPr>
-          <p:cNvPr id="5" name="Picture 4">
+          <p:cNvPr id="7" name="Picture 6" descr="A screenshot of a computer code&#10;&#10;AI-generated content may be incorrect.">
             <a:extLst>
               <a:ext uri="{FF2B5EF4-FFF2-40B4-BE49-F238E27FC236}">
-                <a16:creationId xmlns:a16="http://schemas.microsoft.com/office/drawing/2014/main" id="{CB326B14-CD79-49AB-9921-3D8880EEBFD5}"/>
+                <a16:creationId xmlns:a16="http://schemas.microsoft.com/office/drawing/2014/main" id="{BD3E799C-7342-1AE3-0051-DF8315C5C849}"/>
               </a:ext>
             </a:extLst>
           </p:cNvPr>
@@ -8751,8 +9862,8 @@
         </p:blipFill>
         <p:spPr>
           <a:xfrm>
-            <a:off x="6270346" y="3406585"/>
-            <a:ext cx="5595260" cy="2904567"/>
+            <a:off x="6141015" y="1243300"/>
+            <a:ext cx="5638417" cy="2801806"/>
           </a:xfrm>
           <a:prstGeom prst="rect">
             <a:avLst/>
@@ -8762,7 +9873,7 @@
     </p:spTree>
     <p:extLst>
       <p:ext uri="{BB962C8B-B14F-4D97-AF65-F5344CB8AC3E}">
-        <p14:creationId xmlns:p14="http://schemas.microsoft.com/office/powerpoint/2010/main" val="1336250767"/>
+        <p14:creationId xmlns:p14="http://schemas.microsoft.com/office/powerpoint/2010/main" val="1821103727"/>
       </p:ext>
     </p:extLst>
   </p:cSld>
@@ -8780,7 +9891,7 @@
         <p:cNvPr id="1" name="">
           <a:extLst>
             <a:ext uri="{FF2B5EF4-FFF2-40B4-BE49-F238E27FC236}">
-              <a16:creationId xmlns:a16="http://schemas.microsoft.com/office/drawing/2014/main" id="{F51E8AB4-0988-88BB-C749-9A3AABBB0CEF}"/>
+              <a16:creationId xmlns:a16="http://schemas.microsoft.com/office/drawing/2014/main" id="{1E28EE6C-4175-9E58-169E-9150176FF45C}"/>
             </a:ext>
           </a:extLst>
         </p:cNvPr>
@@ -8800,7 +9911,7 @@
           <p:cNvPr id="8" name="Rectangle 7">
             <a:extLst>
               <a:ext uri="{FF2B5EF4-FFF2-40B4-BE49-F238E27FC236}">
-                <a16:creationId xmlns:a16="http://schemas.microsoft.com/office/drawing/2014/main" id="{3C5B1FE4-D5FF-40DE-AEE7-1F701B9D24B5}"/>
+                <a16:creationId xmlns:a16="http://schemas.microsoft.com/office/drawing/2014/main" id="{10C2B56E-BB7C-1428-198B-E7E38D390534}"/>
               </a:ext>
             </a:extLst>
           </p:cNvPr>
@@ -8809,7 +9920,7 @@
         </p:nvSpPr>
         <p:spPr>
           <a:xfrm>
-            <a:off x="6221505" y="3361765"/>
+            <a:off x="6199034" y="422184"/>
             <a:ext cx="5638799" cy="3325906"/>
           </a:xfrm>
           <a:prstGeom prst="rect">
@@ -8849,7 +9960,7 @@
           <p:cNvPr id="2" name="Title 1">
             <a:extLst>
               <a:ext uri="{FF2B5EF4-FFF2-40B4-BE49-F238E27FC236}">
-                <a16:creationId xmlns:a16="http://schemas.microsoft.com/office/drawing/2014/main" id="{43173213-3E24-B952-52BA-4E423EE53E0C}"/>
+                <a16:creationId xmlns:a16="http://schemas.microsoft.com/office/drawing/2014/main" id="{6CB6389B-B17F-D3D2-51A7-7A59D748532F}"/>
               </a:ext>
             </a:extLst>
           </p:cNvPr>
@@ -8886,7 +9997,7 @@
           <p:cNvPr id="3" name="Subtitle 2">
             <a:extLst>
               <a:ext uri="{FF2B5EF4-FFF2-40B4-BE49-F238E27FC236}">
-                <a16:creationId xmlns:a16="http://schemas.microsoft.com/office/drawing/2014/main" id="{D532DD51-17C7-B1F0-BB8A-EF7F336C8E79}"/>
+                <a16:creationId xmlns:a16="http://schemas.microsoft.com/office/drawing/2014/main" id="{2DA8BAD6-92B7-FC2B-C61A-951AE69D1E3A}"/>
               </a:ext>
             </a:extLst>
           </p:cNvPr>
@@ -8905,14 +10016,14 @@
         </p:spPr>
         <p:txBody>
           <a:bodyPr>
-            <a:normAutofit fontScale="92500" lnSpcReduction="20000"/>
+            <a:normAutofit fontScale="92500" lnSpcReduction="10000"/>
           </a:bodyPr>
           <a:lstStyle/>
           <a:p>
             <a:pPr algn="l"/>
             <a:r>
               <a:rPr lang="en-US" b="1" u="sng" dirty="0"/>
-              <a:t>Qwen2.5-VL-7B-Instruct + </a:t>
+              <a:t>BLIP-2 + </a:t>
             </a:r>
             <a:r>
               <a:rPr lang="en-US" b="1" u="sng" dirty="0" err="1"/>
@@ -8920,7 +10031,7 @@
             </a:r>
             <a:r>
               <a:rPr lang="en-US" b="1" u="sng" dirty="0"/>
-              <a:t>:</a:t>
+              <a:t> results:</a:t>
             </a:r>
           </a:p>
           <a:p>
@@ -8930,7 +10041,7 @@
             </a:pPr>
             <a:r>
               <a:rPr lang="en-US" dirty="0"/>
-              <a:t>Macro-F1 (per-class) with 0-support classes: 0.6763</a:t>
+              <a:t>Macro-F1 (per-class): 0.1089</a:t>
             </a:r>
           </a:p>
           <a:p>
@@ -8940,7 +10051,14 @@
             </a:pPr>
             <a:r>
               <a:rPr lang="en-US" dirty="0"/>
-              <a:t>Macro-F1 (per-class) without 0-support classes: 0.8266</a:t>
+              <a:t>Classification is weaker compared to the base</a:t>
+            </a:r>
+          </a:p>
+          <a:p>
+            <a:pPr algn="l"/>
+            <a:r>
+              <a:rPr lang="en-US" dirty="0"/>
+              <a:t>     model due to very low per-class coverage.</a:t>
             </a:r>
           </a:p>
           <a:p>
@@ -8964,7 +10082,7 @@
             </a:pPr>
             <a:r>
               <a:rPr lang="en-US" dirty="0"/>
-              <a:t>F1 = 0.774</a:t>
+              <a:t>F1 = 0.626</a:t>
             </a:r>
           </a:p>
           <a:p>
@@ -8974,7 +10092,7 @@
             </a:pPr>
             <a:r>
               <a:rPr lang="en-US" dirty="0"/>
-              <a:t>Precision = 0.631</a:t>
+              <a:t>Precision = 0.514</a:t>
             </a:r>
           </a:p>
           <a:p>
@@ -8984,7 +10102,7 @@
             </a:pPr>
             <a:r>
               <a:rPr lang="en-US" dirty="0"/>
-              <a:t>Recall = 1</a:t>
+              <a:t>Recall = 0.800</a:t>
             </a:r>
           </a:p>
           <a:p>
@@ -8994,7 +10112,7 @@
             </a:pPr>
             <a:r>
               <a:rPr lang="en-US" dirty="0"/>
-              <a:t>Accuracy = 0.707 (70%)</a:t>
+              <a:t>Accuracy = 0.522 (52.2%)</a:t>
             </a:r>
           </a:p>
           <a:p>
@@ -9005,31 +10123,39 @@
             <a:endParaRPr lang="en-US" dirty="0"/>
           </a:p>
           <a:p>
-            <a:pPr algn="l"/>
-            <a:r>
-              <a:rPr lang="en-US" dirty="0"/>
-              <a:t>* No support in this evaluation for:</a:t>
-            </a:r>
-          </a:p>
-          <a:p>
-            <a:pPr algn="l"/>
-            <a:r>
-              <a:rPr lang="en-US" dirty="0"/>
-              <a:t>MEDICAL_LETTER, EMAIL </a:t>
-            </a:r>
-          </a:p>
-          <a:p>
-            <a:pPr algn="l"/>
-            <a:r>
-              <a:rPr lang="en-US" dirty="0"/>
-              <a:t>(As a result, the scores for these types are 0, which</a:t>
-            </a:r>
-          </a:p>
-          <a:p>
-            <a:pPr algn="l"/>
-            <a:r>
-              <a:rPr lang="en-US" dirty="0"/>
-              <a:t>Lowers the Macro-F1).</a:t>
+            <a:pPr marL="342900" indent="-342900" algn="l">
+              <a:buFont typeface="Arial" panose="020B0604020202020204" pitchFamily="34" charset="0"/>
+              <a:buChar char="•"/>
+            </a:pPr>
+            <a:r>
+              <a:rPr lang="en-US" dirty="0"/>
+              <a:t>Most classes scored 0 in this evaluation</a:t>
+            </a:r>
+          </a:p>
+          <a:p>
+            <a:pPr marL="342900" indent="-342900" algn="l">
+              <a:buFont typeface="Arial" panose="020B0604020202020204" pitchFamily="34" charset="0"/>
+              <a:buChar char="•"/>
+            </a:pPr>
+            <a:r>
+              <a:rPr lang="en-US" dirty="0"/>
+              <a:t>Only </a:t>
+            </a:r>
+            <a:r>
+              <a:rPr lang="en-US" b="1" dirty="0"/>
+              <a:t>Credit Card Number</a:t>
+            </a:r>
+            <a:r>
+              <a:rPr lang="en-US" dirty="0"/>
+              <a:t> and </a:t>
+            </a:r>
+            <a:r>
+              <a:rPr lang="en-US" b="1" dirty="0"/>
+              <a:t>Name</a:t>
+            </a:r>
+            <a:r>
+              <a:rPr lang="en-US" dirty="0"/>
+              <a:t> showed non-zero performance.</a:t>
             </a:r>
           </a:p>
           <a:p>
@@ -9043,10 +10169,10 @@
       </p:sp>
       <p:pic>
         <p:nvPicPr>
-          <p:cNvPr id="7" name="Picture 6">
+          <p:cNvPr id="5" name="Picture 4" descr="A screenshot of a computer code&#10;&#10;AI-generated content may be incorrect.">
             <a:extLst>
               <a:ext uri="{FF2B5EF4-FFF2-40B4-BE49-F238E27FC236}">
-                <a16:creationId xmlns:a16="http://schemas.microsoft.com/office/drawing/2014/main" id="{F428CDB8-999C-4C90-BCF5-352F342ABE4F}"/>
+                <a16:creationId xmlns:a16="http://schemas.microsoft.com/office/drawing/2014/main" id="{06DB24AE-0ED1-CD9A-FDD5-1371F471CACB}"/>
               </a:ext>
             </a:extLst>
           </p:cNvPr>
@@ -9069,8 +10195,8 @@
         </p:blipFill>
         <p:spPr>
           <a:xfrm>
-            <a:off x="6274419" y="3452670"/>
-            <a:ext cx="5545196" cy="2831589"/>
+            <a:off x="6265767" y="785527"/>
+            <a:ext cx="5520647" cy="2777258"/>
           </a:xfrm>
           <a:prstGeom prst="rect">
             <a:avLst/>
@@ -9080,7 +10206,7 @@
     </p:spTree>
     <p:extLst>
       <p:ext uri="{BB962C8B-B14F-4D97-AF65-F5344CB8AC3E}">
-        <p14:creationId xmlns:p14="http://schemas.microsoft.com/office/powerpoint/2010/main" val="311171845"/>
+        <p14:creationId xmlns:p14="http://schemas.microsoft.com/office/powerpoint/2010/main" val="2128163573"/>
       </p:ext>
     </p:extLst>
   </p:cSld>

--- a/Final Presentation.pptx
+++ b/Final Presentation.pptx
@@ -7458,7 +7458,31 @@
               <a:rPr lang="en-US" dirty="0">
                 <a:sym typeface="Wingdings" panose="05000000000000000000" pitchFamily="2" charset="2"/>
               </a:rPr>
-              <a:t>This leads to +18.6 percentage-point jump, this is real improvement.</a:t>
+              <a:t>This leads to +18.6 percentage-point jump in the accuracy between the base </a:t>
+            </a:r>
+            <a:r>
+              <a:rPr lang="en-US" dirty="0" err="1">
+                <a:sym typeface="Wingdings" panose="05000000000000000000" pitchFamily="2" charset="2"/>
+              </a:rPr>
+              <a:t>qwen</a:t>
+            </a:r>
+            <a:r>
+              <a:rPr lang="en-US" dirty="0">
+                <a:sym typeface="Wingdings" panose="05000000000000000000" pitchFamily="2" charset="2"/>
+              </a:rPr>
+              <a:t> model and the fine-tuned </a:t>
+            </a:r>
+            <a:r>
+              <a:rPr lang="en-US" dirty="0" err="1">
+                <a:sym typeface="Wingdings" panose="05000000000000000000" pitchFamily="2" charset="2"/>
+              </a:rPr>
+              <a:t>qwen</a:t>
+            </a:r>
+            <a:r>
+              <a:rPr lang="en-US" dirty="0">
+                <a:sym typeface="Wingdings" panose="05000000000000000000" pitchFamily="2" charset="2"/>
+              </a:rPr>
+              <a:t> model, this is real improvement.</a:t>
             </a:r>
           </a:p>
           <a:p>

--- a/Final Presentation.pptx
+++ b/Final Presentation.pptx
@@ -6180,7 +6180,7 @@
             <a:pPr algn="l"/>
             <a:r>
               <a:rPr lang="en-US" sz="3200" dirty="0"/>
-              <a:t>Analysis</a:t>
+              <a:t>Analysis – BLIP-2</a:t>
             </a:r>
             <a:endParaRPr lang="en-IL" sz="8800" dirty="0"/>
           </a:p>
@@ -9631,7 +9631,7 @@
             <a:pPr algn="l"/>
             <a:r>
               <a:rPr lang="en-US" sz="3200" dirty="0"/>
-              <a:t>Results</a:t>
+              <a:t>Results – BLIP2</a:t>
             </a:r>
             <a:endParaRPr lang="en-IL" sz="8800" dirty="0"/>
           </a:p>
@@ -9906,7 +9906,7 @@
             <a:pPr algn="l"/>
             <a:r>
               <a:rPr lang="en-US" sz="3200" dirty="0"/>
-              <a:t>Results</a:t>
+              <a:t>Results – BLIP2</a:t>
             </a:r>
             <a:endParaRPr lang="en-IL" sz="8800" dirty="0"/>
           </a:p>
